--- a/Documentation/Progam shell.pptx
+++ b/Documentation/Progam shell.pptx
@@ -6,7 +6,12 @@
   </p:sldMasterIdLst>
   <p:sldIdLst>
     <p:sldId id="256" r:id="rId2"/>
-    <p:sldId id="257" r:id="rId3"/>
+    <p:sldId id="258" r:id="rId3"/>
+    <p:sldId id="257" r:id="rId4"/>
+    <p:sldId id="260" r:id="rId5"/>
+    <p:sldId id="259" r:id="rId6"/>
+    <p:sldId id="261" r:id="rId7"/>
+    <p:sldId id="262" r:id="rId8"/>
   </p:sldIdLst>
   <p:sldSz cx="12192000" cy="6858000"/>
   <p:notesSz cx="6858000" cy="9144000"/>
@@ -343,7 +348,7 @@
             <a:fld id="{B61BEF0D-F0BB-DE4B-95CE-6DB70DBA9567}" type="datetimeFigureOut">
               <a:rPr lang="en-US" dirty="0"/>
               <a:pPr/>
-              <a:t>5/27/2024</a:t>
+              <a:t>6/3/2024</a:t>
             </a:fld>
             <a:endParaRPr lang="en-US" dirty="0"/>
           </a:p>
@@ -674,7 +679,7 @@
             <a:fld id="{B61BEF0D-F0BB-DE4B-95CE-6DB70DBA9567}" type="datetimeFigureOut">
               <a:rPr lang="en-US" dirty="0"/>
               <a:pPr/>
-              <a:t>5/27/2024</a:t>
+              <a:t>6/3/2024</a:t>
             </a:fld>
             <a:endParaRPr lang="en-US" dirty="0"/>
           </a:p>
@@ -949,7 +954,7 @@
             <a:fld id="{B61BEF0D-F0BB-DE4B-95CE-6DB70DBA9567}" type="datetimeFigureOut">
               <a:rPr lang="en-US" dirty="0"/>
               <a:pPr/>
-              <a:t>5/27/2024</a:t>
+              <a:t>6/3/2024</a:t>
             </a:fld>
             <a:endParaRPr lang="en-US" dirty="0"/>
           </a:p>
@@ -1514,7 +1519,7 @@
             <a:fld id="{B61BEF0D-F0BB-DE4B-95CE-6DB70DBA9567}" type="datetimeFigureOut">
               <a:rPr lang="en-US" dirty="0"/>
               <a:pPr/>
-              <a:t>5/27/2024</a:t>
+              <a:t>6/3/2024</a:t>
             </a:fld>
             <a:endParaRPr lang="en-US" dirty="0"/>
           </a:p>
@@ -1789,7 +1794,7 @@
             <a:fld id="{B61BEF0D-F0BB-DE4B-95CE-6DB70DBA9567}" type="datetimeFigureOut">
               <a:rPr lang="en-US" dirty="0"/>
               <a:pPr/>
-              <a:t>5/27/2024</a:t>
+              <a:t>6/3/2024</a:t>
             </a:fld>
             <a:endParaRPr lang="en-US" dirty="0"/>
           </a:p>
@@ -2348,7 +2353,7 @@
             <a:fld id="{B61BEF0D-F0BB-DE4B-95CE-6DB70DBA9567}" type="datetimeFigureOut">
               <a:rPr lang="en-US" dirty="0"/>
               <a:pPr/>
-              <a:t>5/27/2024</a:t>
+              <a:t>6/3/2024</a:t>
             </a:fld>
             <a:endParaRPr lang="en-US" dirty="0"/>
           </a:p>
@@ -2672,7 +2677,7 @@
             <a:fld id="{B61BEF0D-F0BB-DE4B-95CE-6DB70DBA9567}" type="datetimeFigureOut">
               <a:rPr lang="en-US" dirty="0"/>
               <a:pPr/>
-              <a:t>5/27/2024</a:t>
+              <a:t>6/3/2024</a:t>
             </a:fld>
             <a:endParaRPr lang="en-US" dirty="0"/>
           </a:p>
@@ -2846,7 +2851,7 @@
             <a:fld id="{B61BEF0D-F0BB-DE4B-95CE-6DB70DBA9567}" type="datetimeFigureOut">
               <a:rPr lang="en-US" dirty="0"/>
               <a:pPr/>
-              <a:t>5/27/2024</a:t>
+              <a:t>6/3/2024</a:t>
             </a:fld>
             <a:endParaRPr lang="en-US" dirty="0"/>
           </a:p>
@@ -3081,7 +3086,7 @@
             <a:fld id="{B61BEF0D-F0BB-DE4B-95CE-6DB70DBA9567}" type="datetimeFigureOut">
               <a:rPr lang="en-US" dirty="0"/>
               <a:pPr/>
-              <a:t>5/27/2024</a:t>
+              <a:t>6/3/2024</a:t>
             </a:fld>
             <a:endParaRPr lang="en-US" dirty="0"/>
           </a:p>
@@ -3278,7 +3283,7 @@
             <a:fld id="{B61BEF0D-F0BB-DE4B-95CE-6DB70DBA9567}" type="datetimeFigureOut">
               <a:rPr lang="en-US" dirty="0"/>
               <a:pPr/>
-              <a:t>5/27/2024</a:t>
+              <a:t>6/3/2024</a:t>
             </a:fld>
             <a:endParaRPr lang="en-US" dirty="0"/>
           </a:p>
@@ -3551,7 +3556,7 @@
             <a:fld id="{B61BEF0D-F0BB-DE4B-95CE-6DB70DBA9567}" type="datetimeFigureOut">
               <a:rPr lang="en-US" dirty="0"/>
               <a:pPr/>
-              <a:t>5/27/2024</a:t>
+              <a:t>6/3/2024</a:t>
             </a:fld>
             <a:endParaRPr lang="en-US" dirty="0"/>
           </a:p>
@@ -3814,7 +3819,7 @@
             <a:fld id="{B61BEF0D-F0BB-DE4B-95CE-6DB70DBA9567}" type="datetimeFigureOut">
               <a:rPr lang="en-US" dirty="0"/>
               <a:pPr/>
-              <a:t>5/27/2024</a:t>
+              <a:t>6/3/2024</a:t>
             </a:fld>
             <a:endParaRPr lang="en-US" dirty="0"/>
           </a:p>
@@ -4185,7 +4190,7 @@
             <a:fld id="{B61BEF0D-F0BB-DE4B-95CE-6DB70DBA9567}" type="datetimeFigureOut">
               <a:rPr lang="en-US" dirty="0"/>
               <a:pPr/>
-              <a:t>5/27/2024</a:t>
+              <a:t>6/3/2024</a:t>
             </a:fld>
             <a:endParaRPr lang="en-US" dirty="0"/>
           </a:p>
@@ -4330,7 +4335,7 @@
             <a:fld id="{B61BEF0D-F0BB-DE4B-95CE-6DB70DBA9567}" type="datetimeFigureOut">
               <a:rPr lang="en-US" dirty="0"/>
               <a:pPr/>
-              <a:t>5/27/2024</a:t>
+              <a:t>6/3/2024</a:t>
             </a:fld>
             <a:endParaRPr lang="en-US" dirty="0"/>
           </a:p>
@@ -4452,7 +4457,7 @@
             <a:fld id="{B61BEF0D-F0BB-DE4B-95CE-6DB70DBA9567}" type="datetimeFigureOut">
               <a:rPr lang="en-US" dirty="0"/>
               <a:pPr/>
-              <a:t>5/27/2024</a:t>
+              <a:t>6/3/2024</a:t>
             </a:fld>
             <a:endParaRPr lang="en-US" dirty="0"/>
           </a:p>
@@ -4734,7 +4739,7 @@
             <a:fld id="{B61BEF0D-F0BB-DE4B-95CE-6DB70DBA9567}" type="datetimeFigureOut">
               <a:rPr lang="en-US" dirty="0"/>
               <a:pPr/>
-              <a:t>5/27/2024</a:t>
+              <a:t>6/3/2024</a:t>
             </a:fld>
             <a:endParaRPr lang="en-US" dirty="0"/>
           </a:p>
@@ -5055,7 +5060,7 @@
             <a:fld id="{B61BEF0D-F0BB-DE4B-95CE-6DB70DBA9567}" type="datetimeFigureOut">
               <a:rPr lang="en-US" dirty="0"/>
               <a:pPr/>
-              <a:t>5/27/2024</a:t>
+              <a:t>6/3/2024</a:t>
             </a:fld>
             <a:endParaRPr lang="en-US" dirty="0"/>
           </a:p>
@@ -5266,7 +5271,7 @@
             <a:fld id="{B61BEF0D-F0BB-DE4B-95CE-6DB70DBA9567}" type="datetimeFigureOut">
               <a:rPr lang="en-US" dirty="0"/>
               <a:pPr/>
-              <a:t>5/27/2024</a:t>
+              <a:t>6/3/2024</a:t>
             </a:fld>
             <a:endParaRPr lang="en-US" dirty="0"/>
           </a:p>
@@ -5791,17 +5796,95 @@
             <p:ph type="ctrTitle"/>
           </p:nvPr>
         </p:nvSpPr>
-        <p:spPr/>
-        <p:txBody>
-          <a:bodyPr/>
+        <p:spPr>
+          <a:xfrm>
+            <a:off x="3352799" y="1681238"/>
+            <a:ext cx="8416925" cy="2421464"/>
+          </a:xfrm>
+        </p:spPr>
+        <p:txBody>
+          <a:bodyPr>
+            <a:normAutofit fontScale="90000"/>
+          </a:bodyPr>
           <a:lstStyle/>
           <a:p>
             <a:r>
-              <a:rPr lang="en-US" dirty="0" err="1"/>
-              <a:t>Progam</a:t>
-            </a:r>
-            <a:r>
-              <a:rPr lang="en-US" dirty="0"/>
+              <a:rPr lang="en-US" sz="2800" b="1" cap="none" dirty="0" err="1">
+                <a:latin typeface="DejaVu Sans" panose="020B0603030804020204" pitchFamily="34" charset="0"/>
+                <a:ea typeface="DejaVu Sans" panose="020B0603030804020204" pitchFamily="34" charset="0"/>
+                <a:cs typeface="DejaVu Sans" panose="020B0603030804020204" pitchFamily="34" charset="0"/>
+              </a:rPr>
+              <a:t>Praktikum</a:t>
+            </a:r>
+            <a:r>
+              <a:rPr lang="en-US" sz="2800" b="1" cap="none" dirty="0">
+                <a:latin typeface="DejaVu Sans" panose="020B0603030804020204" pitchFamily="34" charset="0"/>
+                <a:ea typeface="DejaVu Sans" panose="020B0603030804020204" pitchFamily="34" charset="0"/>
+                <a:cs typeface="DejaVu Sans" panose="020B0603030804020204" pitchFamily="34" charset="0"/>
+              </a:rPr>
+              <a:t> </a:t>
+            </a:r>
+            <a:r>
+              <a:rPr lang="en-US" sz="2800" b="1" cap="none" dirty="0" err="1">
+                <a:latin typeface="DejaVu Sans" panose="020B0603030804020204" pitchFamily="34" charset="0"/>
+                <a:ea typeface="DejaVu Sans" panose="020B0603030804020204" pitchFamily="34" charset="0"/>
+                <a:cs typeface="DejaVu Sans" panose="020B0603030804020204" pitchFamily="34" charset="0"/>
+              </a:rPr>
+              <a:t>Uas</a:t>
+            </a:r>
+            <a:r>
+              <a:rPr lang="en-US" sz="2800" b="1" cap="none" dirty="0">
+                <a:latin typeface="DejaVu Sans" panose="020B0603030804020204" pitchFamily="34" charset="0"/>
+                <a:ea typeface="DejaVu Sans" panose="020B0603030804020204" pitchFamily="34" charset="0"/>
+                <a:cs typeface="DejaVu Sans" panose="020B0603030804020204" pitchFamily="34" charset="0"/>
+              </a:rPr>
+              <a:t> </a:t>
+            </a:r>
+            <a:r>
+              <a:rPr lang="en-US" sz="2800" b="1" cap="none" dirty="0" err="1">
+                <a:latin typeface="DejaVu Sans" panose="020B0603030804020204" pitchFamily="34" charset="0"/>
+                <a:ea typeface="DejaVu Sans" panose="020B0603030804020204" pitchFamily="34" charset="0"/>
+                <a:cs typeface="DejaVu Sans" panose="020B0603030804020204" pitchFamily="34" charset="0"/>
+              </a:rPr>
+              <a:t>Sistm</a:t>
+            </a:r>
+            <a:r>
+              <a:rPr lang="en-US" sz="2800" b="1" cap="none" dirty="0">
+                <a:latin typeface="DejaVu Sans" panose="020B0603030804020204" pitchFamily="34" charset="0"/>
+                <a:ea typeface="DejaVu Sans" panose="020B0603030804020204" pitchFamily="34" charset="0"/>
+                <a:cs typeface="DejaVu Sans" panose="020B0603030804020204" pitchFamily="34" charset="0"/>
+              </a:rPr>
+              <a:t> </a:t>
+            </a:r>
+            <a:r>
+              <a:rPr lang="en-US" sz="2800" b="1" cap="none" dirty="0" err="1">
+                <a:latin typeface="DejaVu Sans" panose="020B0603030804020204" pitchFamily="34" charset="0"/>
+                <a:ea typeface="DejaVu Sans" panose="020B0603030804020204" pitchFamily="34" charset="0"/>
+                <a:cs typeface="DejaVu Sans" panose="020B0603030804020204" pitchFamily="34" charset="0"/>
+              </a:rPr>
+              <a:t>Operasi</a:t>
+            </a:r>
+            <a:br>
+              <a:rPr lang="en-US" sz="7200" b="1" dirty="0">
+                <a:latin typeface="DejaVu Sans" panose="020B0603030804020204" pitchFamily="34" charset="0"/>
+                <a:ea typeface="DejaVu Sans" panose="020B0603030804020204" pitchFamily="34" charset="0"/>
+                <a:cs typeface="DejaVu Sans" panose="020B0603030804020204" pitchFamily="34" charset="0"/>
+              </a:rPr>
+            </a:br>
+            <a:r>
+              <a:rPr lang="en-US" sz="7200" b="1" dirty="0" err="1">
+                <a:latin typeface="DejaVu Sans" panose="020B0603030804020204" pitchFamily="34" charset="0"/>
+                <a:ea typeface="DejaVu Sans" panose="020B0603030804020204" pitchFamily="34" charset="0"/>
+                <a:cs typeface="DejaVu Sans" panose="020B0603030804020204" pitchFamily="34" charset="0"/>
+              </a:rPr>
+              <a:t>PEMrogamAN</a:t>
+            </a:r>
+            <a:r>
+              <a:rPr lang="en-US" sz="7200" b="1" dirty="0">
+                <a:latin typeface="DejaVu Sans" panose="020B0603030804020204" pitchFamily="34" charset="0"/>
+                <a:ea typeface="DejaVu Sans" panose="020B0603030804020204" pitchFamily="34" charset="0"/>
+                <a:cs typeface="DejaVu Sans" panose="020B0603030804020204" pitchFamily="34" charset="0"/>
+              </a:rPr>
               <a:t> shell</a:t>
             </a:r>
           </a:p>
@@ -5823,23 +5906,52 @@
             <p:ph type="subTitle" idx="1"/>
           </p:nvPr>
         </p:nvSpPr>
-        <p:spPr/>
-        <p:txBody>
-          <a:bodyPr/>
+        <p:spPr>
+          <a:xfrm>
+            <a:off x="4920343" y="4385732"/>
+            <a:ext cx="6239782" cy="1405467"/>
+          </a:xfrm>
+        </p:spPr>
+        <p:txBody>
+          <a:bodyPr>
+            <a:normAutofit/>
+          </a:bodyPr>
           <a:lstStyle/>
           <a:p>
-            <a:r>
-              <a:rPr lang="en-US" dirty="0" err="1"/>
-              <a:t>Sistem</a:t>
-            </a:r>
-            <a:r>
-              <a:rPr lang="en-US" dirty="0"/>
-              <a:t> </a:t>
-            </a:r>
-            <a:r>
-              <a:rPr lang="en-US" dirty="0" err="1"/>
-              <a:t>operasi</a:t>
-            </a:r>
+            <a:pPr algn="l"/>
+            <a:r>
+              <a:rPr lang="en-US" dirty="0"/>
+              <a:t>Nama	: </a:t>
+            </a:r>
+            <a:r>
+              <a:rPr lang="en-US" dirty="0" err="1"/>
+              <a:t>rangga</a:t>
+            </a:r>
+            <a:r>
+              <a:rPr lang="en-US" dirty="0"/>
+              <a:t> Dwi Saputra</a:t>
+            </a:r>
+          </a:p>
+          <a:p>
+            <a:pPr algn="l"/>
+            <a:r>
+              <a:rPr lang="en-US" dirty="0"/>
+              <a:t>Nim		: 2341720248</a:t>
+            </a:r>
+          </a:p>
+          <a:p>
+            <a:pPr algn="l"/>
+            <a:r>
+              <a:rPr lang="en-US" dirty="0" err="1"/>
+              <a:t>Kelas</a:t>
+            </a:r>
+            <a:r>
+              <a:rPr lang="en-US" dirty="0"/>
+              <a:t>	: ti-1b</a:t>
+            </a:r>
+          </a:p>
+          <a:p>
+            <a:pPr algn="l"/>
             <a:endParaRPr lang="en-US" dirty="0"/>
           </a:p>
         </p:txBody>
@@ -5854,6 +5966,18 @@
   <p:clrMapOvr>
     <a:masterClrMapping/>
   </p:clrMapOvr>
+  <mc:AlternateContent xmlns:mc="http://schemas.openxmlformats.org/markup-compatibility/2006">
+    <mc:Choice xmlns:p159="http://schemas.microsoft.com/office/powerpoint/2015/09/main" Requires="p159">
+      <p:transition xmlns:p14="http://schemas.microsoft.com/office/powerpoint/2010/main" spd="slow" p14:dur="2000">
+        <p159:morph option="byObject"/>
+      </p:transition>
+    </mc:Choice>
+    <mc:Fallback>
+      <p:transition spd="slow">
+        <p:fade/>
+      </p:transition>
+    </mc:Fallback>
+  </mc:AlternateContent>
 </p:sld>
 </file>
 
@@ -5879,6 +6003,608 @@
           <p:cNvPr id="2" name="Title 1">
             <a:extLst>
               <a:ext uri="{FF2B5EF4-FFF2-40B4-BE49-F238E27FC236}">
+                <a16:creationId xmlns:a16="http://schemas.microsoft.com/office/drawing/2014/main" id="{78C0FD91-6CE5-A349-0F71-158F67602F5E}"/>
+              </a:ext>
+            </a:extLst>
+          </p:cNvPr>
+          <p:cNvSpPr>
+            <a:spLocks noGrp="1"/>
+          </p:cNvSpPr>
+          <p:nvPr>
+            <p:ph type="title"/>
+          </p:nvPr>
+        </p:nvSpPr>
+        <p:spPr>
+          <a:xfrm>
+            <a:off x="685801" y="609602"/>
+            <a:ext cx="10131427" cy="1240970"/>
+          </a:xfrm>
+        </p:spPr>
+        <p:txBody>
+          <a:bodyPr/>
+          <a:lstStyle/>
+          <a:p>
+            <a:pPr algn="ctr"/>
+            <a:r>
+              <a:rPr lang="en-US" b="1" dirty="0" err="1">
+                <a:latin typeface="DejaVu Sans" panose="020B0603030804020204" pitchFamily="34" charset="0"/>
+                <a:ea typeface="DejaVu Sans" panose="020B0603030804020204" pitchFamily="34" charset="0"/>
+                <a:cs typeface="DejaVu Sans" panose="020B0603030804020204" pitchFamily="34" charset="0"/>
+              </a:rPr>
+              <a:t>Latar</a:t>
+            </a:r>
+            <a:r>
+              <a:rPr lang="en-US" b="1" dirty="0">
+                <a:latin typeface="DejaVu Sans" panose="020B0603030804020204" pitchFamily="34" charset="0"/>
+                <a:ea typeface="DejaVu Sans" panose="020B0603030804020204" pitchFamily="34" charset="0"/>
+                <a:cs typeface="DejaVu Sans" panose="020B0603030804020204" pitchFamily="34" charset="0"/>
+              </a:rPr>
+              <a:t> </a:t>
+            </a:r>
+            <a:r>
+              <a:rPr lang="en-US" b="1" dirty="0" err="1">
+                <a:latin typeface="DejaVu Sans" panose="020B0603030804020204" pitchFamily="34" charset="0"/>
+                <a:ea typeface="DejaVu Sans" panose="020B0603030804020204" pitchFamily="34" charset="0"/>
+                <a:cs typeface="DejaVu Sans" panose="020B0603030804020204" pitchFamily="34" charset="0"/>
+              </a:rPr>
+              <a:t>Belakang</a:t>
+            </a:r>
+            <a:endParaRPr lang="en-US" b="1" dirty="0">
+              <a:latin typeface="DejaVu Sans" panose="020B0603030804020204" pitchFamily="34" charset="0"/>
+              <a:ea typeface="DejaVu Sans" panose="020B0603030804020204" pitchFamily="34" charset="0"/>
+              <a:cs typeface="DejaVu Sans" panose="020B0603030804020204" pitchFamily="34" charset="0"/>
+            </a:endParaRPr>
+          </a:p>
+        </p:txBody>
+      </p:sp>
+      <p:sp>
+        <p:nvSpPr>
+          <p:cNvPr id="3" name="Text Placeholder 2">
+            <a:extLst>
+              <a:ext uri="{FF2B5EF4-FFF2-40B4-BE49-F238E27FC236}">
+                <a16:creationId xmlns:a16="http://schemas.microsoft.com/office/drawing/2014/main" id="{E0FDBE20-3796-C924-4EDF-B6FF0B5B9AC6}"/>
+              </a:ext>
+            </a:extLst>
+          </p:cNvPr>
+          <p:cNvSpPr>
+            <a:spLocks noGrp="1"/>
+          </p:cNvSpPr>
+          <p:nvPr>
+            <p:ph type="body" idx="1"/>
+          </p:nvPr>
+        </p:nvSpPr>
+        <p:spPr>
+          <a:xfrm>
+            <a:off x="685800" y="1850572"/>
+            <a:ext cx="10131428" cy="3940628"/>
+          </a:xfrm>
+        </p:spPr>
+        <p:txBody>
+          <a:bodyPr anchor="t"/>
+          <a:lstStyle/>
+          <a:p>
+            <a:pPr algn="just"/>
+            <a:endParaRPr lang="en-US" dirty="0"/>
+          </a:p>
+          <a:p>
+            <a:pPr algn="just"/>
+            <a:r>
+              <a:rPr lang="en-US" dirty="0"/>
+              <a:t>	</a:t>
+            </a:r>
+            <a:r>
+              <a:rPr lang="en-US" dirty="0" err="1"/>
+              <a:t>Tugas</a:t>
+            </a:r>
+            <a:r>
+              <a:rPr lang="en-US" dirty="0"/>
+              <a:t> </a:t>
+            </a:r>
+            <a:r>
+              <a:rPr lang="en-US" dirty="0" err="1"/>
+              <a:t>akhir</a:t>
+            </a:r>
+            <a:r>
+              <a:rPr lang="en-US" dirty="0"/>
+              <a:t> Mata </a:t>
+            </a:r>
+            <a:r>
+              <a:rPr lang="en-US" dirty="0" err="1"/>
+              <a:t>Kuliah</a:t>
+            </a:r>
+            <a:r>
+              <a:rPr lang="en-US" dirty="0"/>
+              <a:t> </a:t>
+            </a:r>
+            <a:r>
+              <a:rPr lang="en-US" dirty="0" err="1"/>
+              <a:t>Sistem</a:t>
+            </a:r>
+            <a:r>
+              <a:rPr lang="en-US" dirty="0"/>
+              <a:t> </a:t>
+            </a:r>
+            <a:r>
+              <a:rPr lang="en-US" dirty="0" err="1"/>
+              <a:t>Operasi</a:t>
+            </a:r>
+            <a:r>
+              <a:rPr lang="en-US" dirty="0"/>
+              <a:t> </a:t>
+            </a:r>
+            <a:r>
+              <a:rPr lang="en-US" dirty="0" err="1"/>
+              <a:t>ini</a:t>
+            </a:r>
+            <a:r>
+              <a:rPr lang="en-US" dirty="0"/>
+              <a:t> </a:t>
+            </a:r>
+            <a:r>
+              <a:rPr lang="en-US" dirty="0" err="1"/>
+              <a:t>didasarkan</a:t>
+            </a:r>
+            <a:r>
+              <a:rPr lang="en-US" dirty="0"/>
+              <a:t> </a:t>
+            </a:r>
+            <a:r>
+              <a:rPr lang="en-US" dirty="0" err="1"/>
+              <a:t>dari</a:t>
+            </a:r>
+            <a:r>
+              <a:rPr lang="en-US" dirty="0"/>
+              <a:t> </a:t>
+            </a:r>
+            <a:r>
+              <a:rPr lang="en-US" dirty="0" err="1"/>
+              <a:t>Pemrograma</a:t>
+            </a:r>
+            <a:r>
+              <a:rPr lang="en-US" dirty="0"/>
+              <a:t> Shell yang </a:t>
+            </a:r>
+            <a:r>
+              <a:rPr lang="en-US" dirty="0" err="1"/>
+              <a:t>telah</a:t>
+            </a:r>
+            <a:r>
+              <a:rPr lang="en-US" dirty="0"/>
+              <a:t> </a:t>
+            </a:r>
+            <a:r>
+              <a:rPr lang="en-US" dirty="0" err="1"/>
+              <a:t>diajarkan</a:t>
+            </a:r>
+            <a:r>
+              <a:rPr lang="en-US" dirty="0"/>
+              <a:t> pada </a:t>
+            </a:r>
+            <a:r>
+              <a:rPr lang="en-US" dirty="0" err="1"/>
+              <a:t>pertemuan</a:t>
+            </a:r>
+            <a:r>
+              <a:rPr lang="en-US" dirty="0"/>
+              <a:t> </a:t>
+            </a:r>
+            <a:r>
+              <a:rPr lang="en-US" dirty="0" err="1"/>
+              <a:t>sebelumnya</a:t>
+            </a:r>
+            <a:r>
+              <a:rPr lang="en-US" dirty="0"/>
+              <a:t>. Yang mana kami </a:t>
+            </a:r>
+            <a:r>
+              <a:rPr lang="en-US" dirty="0" err="1"/>
+              <a:t>menjalankan</a:t>
+            </a:r>
+            <a:r>
+              <a:rPr lang="en-US" dirty="0"/>
+              <a:t> program </a:t>
+            </a:r>
+            <a:r>
+              <a:rPr lang="en-US" dirty="0" err="1"/>
+              <a:t>berbasis</a:t>
+            </a:r>
+            <a:r>
+              <a:rPr lang="en-US" dirty="0"/>
+              <a:t> shell </a:t>
+            </a:r>
+            <a:r>
+              <a:rPr lang="en-US" dirty="0" err="1"/>
+              <a:t>tersebut</a:t>
+            </a:r>
+            <a:r>
+              <a:rPr lang="en-US" dirty="0"/>
+              <a:t> </a:t>
+            </a:r>
+            <a:r>
+              <a:rPr lang="en-US" dirty="0" err="1"/>
+              <a:t>menggunakan</a:t>
+            </a:r>
+            <a:r>
+              <a:rPr lang="en-US" dirty="0"/>
+              <a:t> </a:t>
+            </a:r>
+            <a:r>
+              <a:rPr lang="en-US" dirty="0" err="1"/>
+              <a:t>linux</a:t>
+            </a:r>
+            <a:r>
+              <a:rPr lang="en-US" dirty="0"/>
+              <a:t>. Program di </a:t>
+            </a:r>
+            <a:r>
+              <a:rPr lang="en-US" dirty="0" err="1"/>
+              <a:t>implementasikan</a:t>
+            </a:r>
+            <a:r>
+              <a:rPr lang="en-US" dirty="0"/>
+              <a:t> </a:t>
+            </a:r>
+            <a:r>
+              <a:rPr lang="en-US" dirty="0" err="1"/>
+              <a:t>dalam</a:t>
+            </a:r>
+            <a:r>
+              <a:rPr lang="en-US" dirty="0"/>
+              <a:t> Shell Script, </a:t>
+            </a:r>
+            <a:r>
+              <a:rPr lang="en-US" dirty="0" err="1"/>
+              <a:t>sebuah</a:t>
+            </a:r>
+            <a:r>
+              <a:rPr lang="en-US" dirty="0"/>
+              <a:t> program </a:t>
+            </a:r>
+            <a:r>
+              <a:rPr lang="en-US" dirty="0" err="1"/>
+              <a:t>penterjemah</a:t>
+            </a:r>
+            <a:r>
+              <a:rPr lang="en-US" dirty="0"/>
+              <a:t> </a:t>
+            </a:r>
+            <a:r>
+              <a:rPr lang="en-US" dirty="0" err="1"/>
+              <a:t>perintah</a:t>
+            </a:r>
+            <a:r>
+              <a:rPr lang="en-US" dirty="0"/>
+              <a:t> </a:t>
+            </a:r>
+            <a:r>
+              <a:rPr lang="en-US" dirty="0" err="1"/>
+              <a:t>sebagai</a:t>
+            </a:r>
+            <a:r>
+              <a:rPr lang="en-US" dirty="0"/>
+              <a:t> user interface (</a:t>
+            </a:r>
+            <a:r>
+              <a:rPr lang="en-US" dirty="0" err="1"/>
+              <a:t>penghubung</a:t>
+            </a:r>
+            <a:r>
+              <a:rPr lang="en-US" dirty="0"/>
+              <a:t>) agar user </a:t>
+            </a:r>
+            <a:r>
+              <a:rPr lang="en-US" dirty="0" err="1"/>
+              <a:t>dapat</a:t>
+            </a:r>
+            <a:r>
+              <a:rPr lang="en-US" dirty="0"/>
+              <a:t> </a:t>
+            </a:r>
+            <a:r>
+              <a:rPr lang="en-US" dirty="0" err="1"/>
+              <a:t>mengakses</a:t>
+            </a:r>
+            <a:r>
+              <a:rPr lang="en-US" dirty="0"/>
+              <a:t> </a:t>
+            </a:r>
+            <a:r>
+              <a:rPr lang="en-US" dirty="0" err="1"/>
+              <a:t>layanan</a:t>
+            </a:r>
+            <a:r>
+              <a:rPr lang="en-US" dirty="0"/>
+              <a:t> </a:t>
+            </a:r>
+            <a:r>
+              <a:rPr lang="en-US" dirty="0" err="1"/>
+              <a:t>dari</a:t>
+            </a:r>
+            <a:r>
+              <a:rPr lang="en-US" dirty="0"/>
+              <a:t> kernel (program inti </a:t>
+            </a:r>
+            <a:r>
+              <a:rPr lang="en-US" dirty="0" err="1"/>
+              <a:t>sistem</a:t>
+            </a:r>
+            <a:r>
+              <a:rPr lang="en-US" dirty="0"/>
+              <a:t> </a:t>
+            </a:r>
+            <a:r>
+              <a:rPr lang="en-US" dirty="0" err="1"/>
+              <a:t>operasi</a:t>
+            </a:r>
+            <a:r>
+              <a:rPr lang="en-US" dirty="0"/>
+              <a:t>).</a:t>
+            </a:r>
+          </a:p>
+          <a:p>
+            <a:pPr algn="just"/>
+            <a:r>
+              <a:rPr lang="en-US" dirty="0"/>
+              <a:t>	</a:t>
+            </a:r>
+            <a:r>
+              <a:rPr lang="en-US" dirty="0" err="1"/>
+              <a:t>Tugas</a:t>
+            </a:r>
+            <a:r>
+              <a:rPr lang="en-US" dirty="0"/>
+              <a:t> kami </a:t>
+            </a:r>
+            <a:r>
+              <a:rPr lang="en-US" dirty="0" err="1"/>
+              <a:t>disini</a:t>
+            </a:r>
+            <a:r>
+              <a:rPr lang="en-US" dirty="0"/>
+              <a:t> </a:t>
+            </a:r>
+            <a:r>
+              <a:rPr lang="en-US" dirty="0" err="1"/>
+              <a:t>adalah</a:t>
+            </a:r>
+            <a:r>
+              <a:rPr lang="en-US" dirty="0"/>
+              <a:t> </a:t>
+            </a:r>
+            <a:r>
+              <a:rPr lang="en-US" dirty="0" err="1"/>
+              <a:t>membuat</a:t>
+            </a:r>
+            <a:r>
+              <a:rPr lang="en-US" dirty="0"/>
+              <a:t> daftar menu yang </a:t>
+            </a:r>
+            <a:r>
+              <a:rPr lang="en-US" dirty="0" err="1"/>
+              <a:t>bida</a:t>
+            </a:r>
+            <a:r>
+              <a:rPr lang="en-US" dirty="0"/>
+              <a:t> </a:t>
+            </a:r>
+            <a:r>
+              <a:rPr lang="en-US" dirty="0" err="1"/>
+              <a:t>dijalankan</a:t>
+            </a:r>
+            <a:r>
+              <a:rPr lang="en-US" dirty="0"/>
+              <a:t> </a:t>
+            </a:r>
+            <a:r>
+              <a:rPr lang="en-US" dirty="0" err="1"/>
+              <a:t>dalam</a:t>
+            </a:r>
+            <a:r>
+              <a:rPr lang="en-US" dirty="0"/>
+              <a:t> program shell minimal 2 </a:t>
+            </a:r>
+            <a:r>
+              <a:rPr lang="en-US" dirty="0" err="1"/>
+              <a:t>fitur</a:t>
+            </a:r>
+            <a:r>
+              <a:rPr lang="en-US" dirty="0"/>
+              <a:t>. Dari </a:t>
+            </a:r>
+            <a:r>
+              <a:rPr lang="en-US" dirty="0" err="1"/>
+              <a:t>tugas</a:t>
+            </a:r>
+            <a:r>
+              <a:rPr lang="en-US" dirty="0"/>
+              <a:t> </a:t>
+            </a:r>
+            <a:r>
+              <a:rPr lang="en-US" dirty="0" err="1"/>
+              <a:t>ini</a:t>
+            </a:r>
+            <a:r>
+              <a:rPr lang="en-US" dirty="0"/>
+              <a:t> </a:t>
+            </a:r>
+            <a:r>
+              <a:rPr lang="en-US" dirty="0" err="1"/>
+              <a:t>saya</a:t>
+            </a:r>
+            <a:r>
+              <a:rPr lang="en-US" dirty="0"/>
+              <a:t> </a:t>
+            </a:r>
+            <a:r>
+              <a:rPr lang="en-US" dirty="0" err="1"/>
+              <a:t>memutuskan</a:t>
+            </a:r>
+            <a:r>
+              <a:rPr lang="en-US" dirty="0"/>
+              <a:t> </a:t>
+            </a:r>
+            <a:r>
+              <a:rPr lang="en-US" dirty="0" err="1"/>
+              <a:t>untuk</a:t>
+            </a:r>
+            <a:r>
+              <a:rPr lang="en-US" dirty="0"/>
+              <a:t> </a:t>
+            </a:r>
+            <a:r>
+              <a:rPr lang="en-US" dirty="0" err="1"/>
+              <a:t>mengimplementasikan</a:t>
+            </a:r>
+            <a:r>
+              <a:rPr lang="en-US" dirty="0"/>
+              <a:t> </a:t>
+            </a:r>
+            <a:r>
+              <a:rPr lang="en-US" dirty="0" err="1"/>
+              <a:t>praktikum-praktikum</a:t>
+            </a:r>
+            <a:r>
+              <a:rPr lang="en-US" dirty="0"/>
+              <a:t> </a:t>
+            </a:r>
+            <a:r>
+              <a:rPr lang="en-US" dirty="0" err="1"/>
+              <a:t>sebelumnya</a:t>
+            </a:r>
+            <a:r>
+              <a:rPr lang="en-US" dirty="0"/>
+              <a:t> </a:t>
+            </a:r>
+            <a:r>
+              <a:rPr lang="en-US" dirty="0" err="1"/>
+              <a:t>sejumlah</a:t>
+            </a:r>
+            <a:r>
+              <a:rPr lang="en-US" dirty="0"/>
+              <a:t> lima </a:t>
+            </a:r>
+            <a:r>
+              <a:rPr lang="en-US" dirty="0" err="1"/>
+              <a:t>fitur</a:t>
+            </a:r>
+            <a:r>
+              <a:rPr lang="en-US" dirty="0"/>
+              <a:t>, yang </a:t>
+            </a:r>
+            <a:r>
+              <a:rPr lang="en-US" dirty="0" err="1"/>
+              <a:t>terdiri</a:t>
+            </a:r>
+            <a:r>
+              <a:rPr lang="en-US" dirty="0"/>
+              <a:t> </a:t>
+            </a:r>
+            <a:r>
+              <a:rPr lang="en-US" dirty="0" err="1"/>
+              <a:t>dari</a:t>
+            </a:r>
+            <a:r>
+              <a:rPr lang="en-US" dirty="0"/>
+              <a:t> 1 </a:t>
+            </a:r>
+            <a:r>
+              <a:rPr lang="en-US" dirty="0" err="1"/>
+              <a:t>fitur</a:t>
+            </a:r>
+            <a:r>
+              <a:rPr lang="en-US" dirty="0"/>
+              <a:t> </a:t>
+            </a:r>
+            <a:r>
+              <a:rPr lang="en-US" dirty="0" err="1"/>
+              <a:t>dasar</a:t>
+            </a:r>
+            <a:r>
+              <a:rPr lang="en-US" dirty="0"/>
+              <a:t>, 3 </a:t>
+            </a:r>
+            <a:r>
+              <a:rPr lang="en-US" dirty="0" err="1"/>
+              <a:t>fitur</a:t>
+            </a:r>
+            <a:r>
+              <a:rPr lang="en-US" dirty="0"/>
+              <a:t> </a:t>
+            </a:r>
+            <a:r>
+              <a:rPr lang="en-US" dirty="0" err="1"/>
+              <a:t>unggulan</a:t>
+            </a:r>
+            <a:r>
+              <a:rPr lang="en-US" dirty="0"/>
+              <a:t>, dan 1 </a:t>
+            </a:r>
+            <a:r>
+              <a:rPr lang="en-US" dirty="0" err="1"/>
+              <a:t>fitur</a:t>
+            </a:r>
+            <a:r>
+              <a:rPr lang="en-US" dirty="0"/>
+              <a:t> </a:t>
+            </a:r>
+            <a:r>
+              <a:rPr lang="en-US" dirty="0" err="1"/>
+              <a:t>tambahan</a:t>
+            </a:r>
+            <a:r>
+              <a:rPr lang="en-US" dirty="0"/>
+              <a:t>.</a:t>
+            </a:r>
+          </a:p>
+        </p:txBody>
+      </p:sp>
+    </p:spTree>
+    <p:extLst>
+      <p:ext uri="{BB962C8B-B14F-4D97-AF65-F5344CB8AC3E}">
+        <p14:creationId xmlns:p14="http://schemas.microsoft.com/office/powerpoint/2010/main" val="3874081256"/>
+      </p:ext>
+    </p:extLst>
+  </p:cSld>
+  <p:clrMapOvr>
+    <a:masterClrMapping/>
+  </p:clrMapOvr>
+  <mc:AlternateContent xmlns:mc="http://schemas.openxmlformats.org/markup-compatibility/2006">
+    <mc:Choice xmlns:p14="http://schemas.microsoft.com/office/powerpoint/2010/main" Requires="p14">
+      <p:transition spd="slow" p14:dur="800">
+        <p14:flythrough/>
+      </p:transition>
+    </mc:Choice>
+    <mc:Fallback>
+      <p:transition spd="slow">
+        <p:fade/>
+      </p:transition>
+    </mc:Fallback>
+  </mc:AlternateContent>
+</p:sld>
+</file>
+
+<file path=ppt/slides/slide3.xml><?xml version="1.0" encoding="utf-8"?>
+<p:sld xmlns:a="http://schemas.openxmlformats.org/drawingml/2006/main" xmlns:r="http://schemas.openxmlformats.org/officeDocument/2006/relationships" xmlns:p="http://schemas.openxmlformats.org/presentationml/2006/main">
+  <p:cSld>
+    <p:spTree>
+      <p:nvGrpSpPr>
+        <p:cNvPr id="1" name=""/>
+        <p:cNvGrpSpPr/>
+        <p:nvPr/>
+      </p:nvGrpSpPr>
+      <p:grpSpPr>
+        <a:xfrm>
+          <a:off x="0" y="0"/>
+          <a:ext cx="0" cy="0"/>
+          <a:chOff x="0" y="0"/>
+          <a:chExt cx="0" cy="0"/>
+        </a:xfrm>
+      </p:grpSpPr>
+      <p:sp>
+        <p:nvSpPr>
+          <p:cNvPr id="2" name="Title 1">
+            <a:extLst>
+              <a:ext uri="{FF2B5EF4-FFF2-40B4-BE49-F238E27FC236}">
                 <a16:creationId xmlns:a16="http://schemas.microsoft.com/office/drawing/2014/main" id="{0A2E891C-3BF6-3FFA-826B-FF8DE417AC61}"/>
               </a:ext>
             </a:extLst>
@@ -5892,8 +6618,8 @@
         </p:nvSpPr>
         <p:spPr>
           <a:xfrm>
-            <a:off x="685800" y="1600200"/>
-            <a:ext cx="8098971" cy="2438400"/>
+            <a:off x="707572" y="533400"/>
+            <a:ext cx="4288971" cy="979714"/>
           </a:xfrm>
         </p:spPr>
         <p:txBody>
@@ -5911,130 +6637,11 @@
               </a:spcAft>
             </a:pPr>
             <a:r>
-              <a:rPr lang="en-US" b="1" dirty="0">
+              <a:rPr lang="en-US" sz="4400" b="1" cap="none" dirty="0">
                 <a:latin typeface="Sitka Text Semibold" pitchFamily="2" charset="0"/>
               </a:rPr>
-              <a:t>1. </a:t>
-            </a:r>
-            <a:r>
-              <a:rPr lang="en-US" b="1" cap="none" dirty="0" err="1">
-                <a:latin typeface="Sitka Text Semibold" pitchFamily="2" charset="0"/>
-              </a:rPr>
-              <a:t>Melihat</a:t>
-            </a:r>
-            <a:r>
-              <a:rPr lang="en-US" b="1" cap="none" dirty="0">
-                <a:latin typeface="Sitka Text Semibold" pitchFamily="2" charset="0"/>
-              </a:rPr>
-              <a:t> Isi File</a:t>
-            </a:r>
-            <a:br>
-              <a:rPr lang="en-US" b="1" cap="none" dirty="0">
-                <a:latin typeface="Sitka Text Semibold" pitchFamily="2" charset="0"/>
-              </a:rPr>
-            </a:br>
-            <a:r>
-              <a:rPr lang="en-US" b="1" cap="none" dirty="0">
-                <a:latin typeface="Sitka Text Semibold" pitchFamily="2" charset="0"/>
-              </a:rPr>
-              <a:t>2. </a:t>
-            </a:r>
-            <a:r>
-              <a:rPr lang="en-US" b="1" cap="none" dirty="0" err="1">
-                <a:latin typeface="Sitka Text Semibold" pitchFamily="2" charset="0"/>
-              </a:rPr>
-              <a:t>Melihat</a:t>
-            </a:r>
-            <a:r>
-              <a:rPr lang="en-US" b="1" cap="none" dirty="0">
-                <a:latin typeface="Sitka Text Semibold" pitchFamily="2" charset="0"/>
-              </a:rPr>
-              <a:t> proses parent dan proses child</a:t>
-            </a:r>
-            <a:br>
-              <a:rPr lang="en-US" b="1" cap="none" dirty="0">
-                <a:latin typeface="Sitka Text Semibold" pitchFamily="2" charset="0"/>
-              </a:rPr>
-            </a:br>
-            <a:r>
-              <a:rPr lang="en-US" b="1" cap="none" dirty="0">
-                <a:latin typeface="Sitka Text Semibold" pitchFamily="2" charset="0"/>
-              </a:rPr>
-              <a:t>3. </a:t>
-            </a:r>
-            <a:r>
-              <a:rPr lang="en-US" b="1" cap="none" dirty="0" err="1">
-                <a:latin typeface="Sitka Text Semibold" pitchFamily="2" charset="0"/>
-              </a:rPr>
-              <a:t>Membuat</a:t>
-            </a:r>
-            <a:r>
-              <a:rPr lang="en-US" b="1" cap="none" dirty="0">
-                <a:latin typeface="Sitka Text Semibold" pitchFamily="2" charset="0"/>
-              </a:rPr>
-              <a:t> dua proses </a:t>
-            </a:r>
-            <a:r>
-              <a:rPr lang="en-US" b="1" cap="none" dirty="0" err="1">
-                <a:latin typeface="Sitka Text Semibold" pitchFamily="2" charset="0"/>
-              </a:rPr>
-              <a:t>sebanyak</a:t>
-            </a:r>
-            <a:r>
-              <a:rPr lang="en-US" b="1" cap="none" dirty="0">
-                <a:latin typeface="Sitka Text Semibold" pitchFamily="2" charset="0"/>
-              </a:rPr>
-              <a:t> 5 kali</a:t>
-            </a:r>
-            <a:br>
-              <a:rPr lang="en-US" b="1" cap="none" dirty="0">
-                <a:latin typeface="Sitka Text Semibold" pitchFamily="2" charset="0"/>
-              </a:rPr>
-            </a:br>
-            <a:r>
-              <a:rPr lang="en-US" b="1" cap="none" dirty="0">
-                <a:latin typeface="Sitka Text Semibold" pitchFamily="2" charset="0"/>
-              </a:rPr>
-              <a:t>4. </a:t>
-            </a:r>
-            <a:r>
-              <a:rPr lang="en-US" b="1" cap="none" dirty="0" err="1">
-                <a:latin typeface="Sitka Text Semibold" pitchFamily="2" charset="0"/>
-              </a:rPr>
-              <a:t>Melihat</a:t>
-            </a:r>
-            <a:r>
-              <a:rPr lang="en-US" b="1" cap="none" dirty="0">
-                <a:latin typeface="Sitka Text Semibold" pitchFamily="2" charset="0"/>
-              </a:rPr>
-              <a:t> </a:t>
-            </a:r>
-            <a:r>
-              <a:rPr lang="en-US" b="1" cap="none" dirty="0" err="1">
-                <a:latin typeface="Sitka Text Semibold" pitchFamily="2" charset="0"/>
-              </a:rPr>
-              <a:t>Manajemen</a:t>
-            </a:r>
-            <a:r>
-              <a:rPr lang="en-US" b="1" cap="none" dirty="0">
-                <a:latin typeface="Sitka Text Semibold" pitchFamily="2" charset="0"/>
-              </a:rPr>
-              <a:t> </a:t>
-            </a:r>
-            <a:r>
-              <a:rPr lang="en-US" b="1" cap="none" dirty="0" err="1">
-                <a:latin typeface="Sitka Text Semibold" pitchFamily="2" charset="0"/>
-              </a:rPr>
-              <a:t>Memori</a:t>
-            </a:r>
-            <a:br>
-              <a:rPr lang="en-US" b="1" cap="none" dirty="0">
-                <a:latin typeface="Sitka Text Semibold" pitchFamily="2" charset="0"/>
-              </a:rPr>
-            </a:br>
-            <a:endParaRPr lang="en-US" b="1" dirty="0">
-              <a:latin typeface="Sitka Text Semibold" pitchFamily="2" charset="0"/>
-            </a:endParaRPr>
+              <a:t>Daftar Fitur</a:t>
+            </a:r>
           </a:p>
         </p:txBody>
       </p:sp>
@@ -6056,8 +6663,8 @@
         </p:nvSpPr>
         <p:spPr>
           <a:xfrm>
-            <a:off x="8069653" y="1752600"/>
-            <a:ext cx="3280974" cy="4572000"/>
+            <a:off x="3772734" y="1638300"/>
+            <a:ext cx="7660370" cy="3995057"/>
           </a:xfrm>
         </p:spPr>
       </p:sp>
@@ -6079,8 +6686,1173 @@
         </p:nvSpPr>
         <p:spPr>
           <a:xfrm>
-            <a:off x="457200" y="4865914"/>
-            <a:ext cx="6164653" cy="1828800"/>
+            <a:off x="707572" y="1752600"/>
+            <a:ext cx="3592285" cy="1828800"/>
+          </a:xfrm>
+        </p:spPr>
+        <p:txBody>
+          <a:bodyPr>
+            <a:normAutofit fontScale="92500" lnSpcReduction="10000"/>
+          </a:bodyPr>
+          <a:lstStyle/>
+          <a:p>
+            <a:r>
+              <a:rPr lang="en-US" b="1" cap="none" dirty="0">
+                <a:latin typeface="Sitka Text Semibold" pitchFamily="2" charset="0"/>
+              </a:rPr>
+              <a:t>1. </a:t>
+            </a:r>
+            <a:r>
+              <a:rPr lang="en-US" b="1" cap="none" dirty="0" err="1">
+                <a:latin typeface="Sitka Text Semibold" pitchFamily="2" charset="0"/>
+              </a:rPr>
+              <a:t>Melihat</a:t>
+            </a:r>
+            <a:r>
+              <a:rPr lang="en-US" b="1" cap="none" dirty="0">
+                <a:latin typeface="Sitka Text Semibold" pitchFamily="2" charset="0"/>
+              </a:rPr>
+              <a:t> Isi File</a:t>
+            </a:r>
+          </a:p>
+          <a:p>
+            <a:r>
+              <a:rPr lang="en-US" b="1" cap="none" dirty="0">
+                <a:latin typeface="Sitka Text Semibold" pitchFamily="2" charset="0"/>
+              </a:rPr>
+              <a:t>2. Proses Parent dan Child</a:t>
+            </a:r>
+          </a:p>
+          <a:p>
+            <a:r>
+              <a:rPr lang="en-US" b="1" cap="none" dirty="0">
+                <a:latin typeface="Sitka Text Semibold" pitchFamily="2" charset="0"/>
+              </a:rPr>
+              <a:t>3. ID Proses</a:t>
+            </a:r>
+          </a:p>
+          <a:p>
+            <a:r>
+              <a:rPr lang="en-US" b="1" cap="none" dirty="0">
+                <a:latin typeface="Sitka Text Semibold" pitchFamily="2" charset="0"/>
+              </a:rPr>
+              <a:t>4. </a:t>
+            </a:r>
+            <a:r>
+              <a:rPr lang="en-US" b="1" cap="none" dirty="0" err="1">
+                <a:latin typeface="Sitka Text Semibold" pitchFamily="2" charset="0"/>
+              </a:rPr>
+              <a:t>Manajemen</a:t>
+            </a:r>
+            <a:r>
+              <a:rPr lang="en-US" b="1" cap="none" dirty="0">
+                <a:latin typeface="Sitka Text Semibold" pitchFamily="2" charset="0"/>
+              </a:rPr>
+              <a:t> </a:t>
+            </a:r>
+            <a:r>
+              <a:rPr lang="en-US" b="1" cap="none" dirty="0" err="1">
+                <a:latin typeface="Sitka Text Semibold" pitchFamily="2" charset="0"/>
+              </a:rPr>
+              <a:t>Memori</a:t>
+            </a:r>
+            <a:r>
+              <a:rPr lang="en-US" b="1" cap="none" dirty="0">
+                <a:latin typeface="Sitka Text Semibold" pitchFamily="2" charset="0"/>
+              </a:rPr>
+              <a:t> </a:t>
+            </a:r>
+          </a:p>
+          <a:p>
+            <a:r>
+              <a:rPr lang="en-US" b="1" cap="none" dirty="0">
+                <a:latin typeface="Sitka Text Semibold" pitchFamily="2" charset="0"/>
+              </a:rPr>
+              <a:t>5. </a:t>
+            </a:r>
+            <a:r>
+              <a:rPr lang="en-US" b="1" cap="none" dirty="0" err="1">
+                <a:latin typeface="Sitka Text Semibold" pitchFamily="2" charset="0"/>
+              </a:rPr>
+              <a:t>Kalkulator</a:t>
+            </a:r>
+            <a:endParaRPr lang="en-US" b="1" cap="none" dirty="0">
+              <a:latin typeface="Sitka Text Semibold" pitchFamily="2" charset="0"/>
+            </a:endParaRPr>
+          </a:p>
+        </p:txBody>
+      </p:sp>
+      <p:pic>
+        <p:nvPicPr>
+          <p:cNvPr id="6" name="Picture 5">
+            <a:extLst>
+              <a:ext uri="{FF2B5EF4-FFF2-40B4-BE49-F238E27FC236}">
+                <a16:creationId xmlns:a16="http://schemas.microsoft.com/office/drawing/2014/main" id="{15805442-D759-524F-C2CB-001B7F036445}"/>
+              </a:ext>
+            </a:extLst>
+          </p:cNvPr>
+          <p:cNvPicPr>
+            <a:picLocks noChangeAspect="1"/>
+          </p:cNvPicPr>
+          <p:nvPr/>
+        </p:nvPicPr>
+        <p:blipFill>
+          <a:blip r:embed="rId2"/>
+          <a:stretch>
+            <a:fillRect/>
+          </a:stretch>
+        </p:blipFill>
+        <p:spPr>
+          <a:xfrm>
+            <a:off x="3960898" y="1752600"/>
+            <a:ext cx="7284043" cy="3624942"/>
+          </a:xfrm>
+          <a:prstGeom prst="rect">
+            <a:avLst/>
+          </a:prstGeom>
+        </p:spPr>
+      </p:pic>
+      <p:sp>
+        <p:nvSpPr>
+          <p:cNvPr id="7" name="Text Placeholder 3">
+            <a:extLst>
+              <a:ext uri="{FF2B5EF4-FFF2-40B4-BE49-F238E27FC236}">
+                <a16:creationId xmlns:a16="http://schemas.microsoft.com/office/drawing/2014/main" id="{78C681B2-02ED-3F8E-1060-DCCD9737DD98}"/>
+              </a:ext>
+            </a:extLst>
+          </p:cNvPr>
+          <p:cNvSpPr txBox="1">
+            <a:spLocks/>
+          </p:cNvSpPr>
+          <p:nvPr/>
+        </p:nvSpPr>
+        <p:spPr>
+          <a:xfrm>
+            <a:off x="5778730" y="5747657"/>
+            <a:ext cx="4149042" cy="457199"/>
+          </a:xfrm>
+          <a:prstGeom prst="rect">
+            <a:avLst/>
+          </a:prstGeom>
+        </p:spPr>
+        <p:txBody>
+          <a:bodyPr vert="horz" lIns="91440" tIns="45720" rIns="91440" bIns="45720" rtlCol="0" anchor="t">
+            <a:normAutofit/>
+          </a:bodyPr>
+          <a:lstStyle>
+            <a:lvl1pPr marL="0" indent="0" algn="l" defTabSz="457200" rtl="0" eaLnBrk="1" latinLnBrk="0" hangingPunct="1">
+              <a:spcBef>
+                <a:spcPts val="0"/>
+              </a:spcBef>
+              <a:spcAft>
+                <a:spcPts val="1000"/>
+              </a:spcAft>
+              <a:buClr>
+                <a:schemeClr val="tx1"/>
+              </a:buClr>
+              <a:buSzPct val="100000"/>
+              <a:buFont typeface="Arial"/>
+              <a:buNone/>
+              <a:defRPr sz="1800" kern="1200" cap="none">
+                <a:solidFill>
+                  <a:schemeClr val="tx1"/>
+                </a:solidFill>
+                <a:effectLst/>
+                <a:latin typeface="+mn-lt"/>
+                <a:ea typeface="+mn-ea"/>
+                <a:cs typeface="+mn-cs"/>
+              </a:defRPr>
+            </a:lvl1pPr>
+            <a:lvl2pPr marL="457200" indent="0" algn="l" defTabSz="457200" rtl="0" eaLnBrk="1" latinLnBrk="0" hangingPunct="1">
+              <a:spcBef>
+                <a:spcPts val="0"/>
+              </a:spcBef>
+              <a:spcAft>
+                <a:spcPts val="1000"/>
+              </a:spcAft>
+              <a:buClr>
+                <a:schemeClr val="tx1"/>
+              </a:buClr>
+              <a:buSzPct val="100000"/>
+              <a:buFont typeface="Arial"/>
+              <a:buNone/>
+              <a:defRPr sz="1200" kern="1200" cap="none">
+                <a:solidFill>
+                  <a:schemeClr val="tx1"/>
+                </a:solidFill>
+                <a:effectLst/>
+                <a:latin typeface="+mn-lt"/>
+                <a:ea typeface="+mn-ea"/>
+                <a:cs typeface="+mn-cs"/>
+              </a:defRPr>
+            </a:lvl2pPr>
+            <a:lvl3pPr marL="914400" indent="0" algn="l" defTabSz="457200" rtl="0" eaLnBrk="1" latinLnBrk="0" hangingPunct="1">
+              <a:spcBef>
+                <a:spcPts val="0"/>
+              </a:spcBef>
+              <a:spcAft>
+                <a:spcPts val="1000"/>
+              </a:spcAft>
+              <a:buClr>
+                <a:schemeClr val="tx1"/>
+              </a:buClr>
+              <a:buSzPct val="100000"/>
+              <a:buFont typeface="Arial"/>
+              <a:buNone/>
+              <a:defRPr sz="1000" kern="1200" cap="none">
+                <a:solidFill>
+                  <a:schemeClr val="tx1"/>
+                </a:solidFill>
+                <a:effectLst/>
+                <a:latin typeface="+mn-lt"/>
+                <a:ea typeface="+mn-ea"/>
+                <a:cs typeface="+mn-cs"/>
+              </a:defRPr>
+            </a:lvl3pPr>
+            <a:lvl4pPr marL="1371600" indent="0" algn="l" defTabSz="457200" rtl="0" eaLnBrk="1" latinLnBrk="0" hangingPunct="1">
+              <a:spcBef>
+                <a:spcPts val="0"/>
+              </a:spcBef>
+              <a:spcAft>
+                <a:spcPts val="1000"/>
+              </a:spcAft>
+              <a:buClr>
+                <a:schemeClr val="tx1"/>
+              </a:buClr>
+              <a:buSzPct val="100000"/>
+              <a:buFont typeface="Arial"/>
+              <a:buNone/>
+              <a:defRPr sz="900" kern="1200" cap="none">
+                <a:solidFill>
+                  <a:schemeClr val="tx1"/>
+                </a:solidFill>
+                <a:effectLst/>
+                <a:latin typeface="+mn-lt"/>
+                <a:ea typeface="+mn-ea"/>
+                <a:cs typeface="+mn-cs"/>
+              </a:defRPr>
+            </a:lvl4pPr>
+            <a:lvl5pPr marL="1828800" indent="0" algn="l" defTabSz="457200" rtl="0" eaLnBrk="1" latinLnBrk="0" hangingPunct="1">
+              <a:spcBef>
+                <a:spcPts val="0"/>
+              </a:spcBef>
+              <a:spcAft>
+                <a:spcPts val="1000"/>
+              </a:spcAft>
+              <a:buClr>
+                <a:schemeClr val="tx1"/>
+              </a:buClr>
+              <a:buSzPct val="100000"/>
+              <a:buFont typeface="Arial"/>
+              <a:buNone/>
+              <a:defRPr sz="900" kern="1200" cap="none">
+                <a:solidFill>
+                  <a:schemeClr val="tx1"/>
+                </a:solidFill>
+                <a:effectLst/>
+                <a:latin typeface="+mn-lt"/>
+                <a:ea typeface="+mn-ea"/>
+                <a:cs typeface="+mn-cs"/>
+              </a:defRPr>
+            </a:lvl5pPr>
+            <a:lvl6pPr marL="2286000" indent="0" algn="l" defTabSz="457200" rtl="0" eaLnBrk="1" latinLnBrk="0" hangingPunct="1">
+              <a:spcBef>
+                <a:spcPts val="0"/>
+              </a:spcBef>
+              <a:spcAft>
+                <a:spcPts val="1000"/>
+              </a:spcAft>
+              <a:buClr>
+                <a:schemeClr val="tx1"/>
+              </a:buClr>
+              <a:buSzPct val="100000"/>
+              <a:buFont typeface="Arial"/>
+              <a:buNone/>
+              <a:defRPr sz="900" kern="1200" cap="none">
+                <a:solidFill>
+                  <a:schemeClr val="tx1"/>
+                </a:solidFill>
+                <a:effectLst/>
+                <a:latin typeface="+mn-lt"/>
+                <a:ea typeface="+mn-ea"/>
+                <a:cs typeface="+mn-cs"/>
+              </a:defRPr>
+            </a:lvl6pPr>
+            <a:lvl7pPr marL="2743200" indent="0" algn="l" defTabSz="457200" rtl="0" eaLnBrk="1" latinLnBrk="0" hangingPunct="1">
+              <a:spcBef>
+                <a:spcPts val="0"/>
+              </a:spcBef>
+              <a:spcAft>
+                <a:spcPts val="1000"/>
+              </a:spcAft>
+              <a:buClr>
+                <a:schemeClr val="tx1"/>
+              </a:buClr>
+              <a:buSzPct val="100000"/>
+              <a:buFont typeface="Arial"/>
+              <a:buNone/>
+              <a:defRPr sz="900" kern="1200" cap="none">
+                <a:solidFill>
+                  <a:schemeClr val="tx1"/>
+                </a:solidFill>
+                <a:effectLst/>
+                <a:latin typeface="+mn-lt"/>
+                <a:ea typeface="+mn-ea"/>
+                <a:cs typeface="+mn-cs"/>
+              </a:defRPr>
+            </a:lvl7pPr>
+            <a:lvl8pPr marL="3200400" indent="0" algn="l" defTabSz="457200" rtl="0" eaLnBrk="1" latinLnBrk="0" hangingPunct="1">
+              <a:spcBef>
+                <a:spcPts val="0"/>
+              </a:spcBef>
+              <a:spcAft>
+                <a:spcPts val="1000"/>
+              </a:spcAft>
+              <a:buClr>
+                <a:schemeClr val="tx1"/>
+              </a:buClr>
+              <a:buSzPct val="100000"/>
+              <a:buFont typeface="Arial"/>
+              <a:buNone/>
+              <a:defRPr sz="900" kern="1200" cap="none">
+                <a:solidFill>
+                  <a:schemeClr val="tx1"/>
+                </a:solidFill>
+                <a:effectLst/>
+                <a:latin typeface="+mn-lt"/>
+                <a:ea typeface="+mn-ea"/>
+                <a:cs typeface="+mn-cs"/>
+              </a:defRPr>
+            </a:lvl8pPr>
+            <a:lvl9pPr marL="3657600" indent="0" algn="l" defTabSz="457200" rtl="0" eaLnBrk="1" latinLnBrk="0" hangingPunct="1">
+              <a:spcBef>
+                <a:spcPts val="0"/>
+              </a:spcBef>
+              <a:spcAft>
+                <a:spcPts val="1000"/>
+              </a:spcAft>
+              <a:buClr>
+                <a:schemeClr val="tx1"/>
+              </a:buClr>
+              <a:buSzPct val="100000"/>
+              <a:buFont typeface="Arial"/>
+              <a:buNone/>
+              <a:defRPr sz="900" kern="1200" cap="none">
+                <a:solidFill>
+                  <a:schemeClr val="tx1"/>
+                </a:solidFill>
+                <a:effectLst/>
+                <a:latin typeface="+mn-lt"/>
+                <a:ea typeface="+mn-ea"/>
+                <a:cs typeface="+mn-cs"/>
+              </a:defRPr>
+            </a:lvl9pPr>
+          </a:lstStyle>
+          <a:p>
+            <a:r>
+              <a:rPr lang="en-US" b="1" dirty="0">
+                <a:latin typeface="Sitka Text Semibold" pitchFamily="2" charset="0"/>
+              </a:rPr>
+              <a:t>Detail </a:t>
+            </a:r>
+            <a:r>
+              <a:rPr lang="en-US" b="1" dirty="0" err="1">
+                <a:latin typeface="Sitka Text Semibold" pitchFamily="2" charset="0"/>
+              </a:rPr>
+              <a:t>dapat</a:t>
+            </a:r>
+            <a:r>
+              <a:rPr lang="en-US" b="1" dirty="0">
+                <a:latin typeface="Sitka Text Semibold" pitchFamily="2" charset="0"/>
+              </a:rPr>
+              <a:t> di </a:t>
+            </a:r>
+            <a:r>
+              <a:rPr lang="en-US" b="1" dirty="0" err="1">
+                <a:latin typeface="Sitka Text Semibold" pitchFamily="2" charset="0"/>
+              </a:rPr>
+              <a:t>cek</a:t>
+            </a:r>
+            <a:r>
+              <a:rPr lang="en-US" b="1" dirty="0">
+                <a:latin typeface="Sitka Text Semibold" pitchFamily="2" charset="0"/>
+              </a:rPr>
+              <a:t> pada </a:t>
+            </a:r>
+            <a:r>
+              <a:rPr lang="en-US" b="1" dirty="0" err="1">
+                <a:latin typeface="Sitka Text Semibold" pitchFamily="2" charset="0"/>
+              </a:rPr>
+              <a:t>github</a:t>
+            </a:r>
+            <a:endParaRPr lang="en-US" b="1" dirty="0">
+              <a:latin typeface="Sitka Text Semibold" pitchFamily="2" charset="0"/>
+            </a:endParaRPr>
+          </a:p>
+        </p:txBody>
+      </p:sp>
+      <p:pic>
+        <p:nvPicPr>
+          <p:cNvPr id="17" name="Picture 16">
+            <a:extLst>
+              <a:ext uri="{FF2B5EF4-FFF2-40B4-BE49-F238E27FC236}">
+                <a16:creationId xmlns:a16="http://schemas.microsoft.com/office/drawing/2014/main" id="{CA9E634F-9D8B-EEFA-5BA2-99DC398A2041}"/>
+              </a:ext>
+            </a:extLst>
+          </p:cNvPr>
+          <p:cNvPicPr>
+            <a:picLocks noChangeAspect="1"/>
+          </p:cNvPicPr>
+          <p:nvPr/>
+        </p:nvPicPr>
+        <p:blipFill>
+          <a:blip r:embed="rId3"/>
+          <a:stretch>
+            <a:fillRect/>
+          </a:stretch>
+        </p:blipFill>
+        <p:spPr>
+          <a:xfrm>
+            <a:off x="6798056" y="6204856"/>
+            <a:ext cx="1609725" cy="533400"/>
+          </a:xfrm>
+          <a:prstGeom prst="rect">
+            <a:avLst/>
+          </a:prstGeom>
+        </p:spPr>
+      </p:pic>
+    </p:spTree>
+    <p:extLst>
+      <p:ext uri="{BB962C8B-B14F-4D97-AF65-F5344CB8AC3E}">
+        <p14:creationId xmlns:p14="http://schemas.microsoft.com/office/powerpoint/2010/main" val="2306752398"/>
+      </p:ext>
+    </p:extLst>
+  </p:cSld>
+  <p:clrMapOvr>
+    <a:masterClrMapping/>
+  </p:clrMapOvr>
+  <mc:AlternateContent xmlns:mc="http://schemas.openxmlformats.org/markup-compatibility/2006">
+    <mc:Choice xmlns:p14="http://schemas.microsoft.com/office/powerpoint/2010/main" Requires="p14">
+      <p:transition spd="slow" p14:dur="800">
+        <p14:flythrough/>
+      </p:transition>
+    </mc:Choice>
+    <mc:Fallback>
+      <p:transition spd="slow">
+        <p:fade/>
+      </p:transition>
+    </mc:Fallback>
+  </mc:AlternateContent>
+</p:sld>
+</file>
+
+<file path=ppt/slides/slide4.xml><?xml version="1.0" encoding="utf-8"?>
+<p:sld xmlns:a="http://schemas.openxmlformats.org/drawingml/2006/main" xmlns:r="http://schemas.openxmlformats.org/officeDocument/2006/relationships" xmlns:p="http://schemas.openxmlformats.org/presentationml/2006/main">
+  <p:cSld>
+    <p:spTree>
+      <p:nvGrpSpPr>
+        <p:cNvPr id="1" name=""/>
+        <p:cNvGrpSpPr/>
+        <p:nvPr/>
+      </p:nvGrpSpPr>
+      <p:grpSpPr>
+        <a:xfrm>
+          <a:off x="0" y="0"/>
+          <a:ext cx="0" cy="0"/>
+          <a:chOff x="0" y="0"/>
+          <a:chExt cx="0" cy="0"/>
+        </a:xfrm>
+      </p:grpSpPr>
+      <p:sp>
+        <p:nvSpPr>
+          <p:cNvPr id="2" name="Title 1">
+            <a:extLst>
+              <a:ext uri="{FF2B5EF4-FFF2-40B4-BE49-F238E27FC236}">
+                <a16:creationId xmlns:a16="http://schemas.microsoft.com/office/drawing/2014/main" id="{F055FBD6-4B3E-D02C-9E4A-F988B0EEF8D6}"/>
+              </a:ext>
+            </a:extLst>
+          </p:cNvPr>
+          <p:cNvSpPr>
+            <a:spLocks noGrp="1"/>
+          </p:cNvSpPr>
+          <p:nvPr>
+            <p:ph type="title"/>
+          </p:nvPr>
+        </p:nvSpPr>
+        <p:spPr>
+          <a:xfrm>
+            <a:off x="685801" y="609600"/>
+            <a:ext cx="3897085" cy="1456267"/>
+          </a:xfrm>
+        </p:spPr>
+        <p:txBody>
+          <a:bodyPr>
+            <a:normAutofit fontScale="90000"/>
+          </a:bodyPr>
+          <a:lstStyle/>
+          <a:p>
+            <a:r>
+              <a:rPr lang="en-US" sz="2800" cap="none" dirty="0"/>
+              <a:t>1. </a:t>
+            </a:r>
+            <a:r>
+              <a:rPr lang="en-US" sz="2800" cap="none" dirty="0" err="1"/>
+              <a:t>Melihat</a:t>
+            </a:r>
+            <a:r>
+              <a:rPr lang="en-US" sz="2800" cap="none" dirty="0"/>
+              <a:t> Isi Directory</a:t>
+            </a:r>
+            <a:br>
+              <a:rPr lang="en-US" sz="2800" cap="none" dirty="0"/>
+            </a:br>
+            <a:r>
+              <a:rPr lang="en-US" sz="2800" cap="none" dirty="0"/>
+              <a:t>	</a:t>
+            </a:r>
+            <a:r>
+              <a:rPr lang="en-US" sz="2200" cap="none" dirty="0" err="1"/>
+              <a:t>Dengan</a:t>
+            </a:r>
+            <a:r>
+              <a:rPr lang="en-US" sz="2200" cap="none" dirty="0"/>
+              <a:t> command `</a:t>
+            </a:r>
+            <a:r>
+              <a:rPr lang="en-US" sz="2200" cap="none" dirty="0" err="1"/>
+              <a:t>ls`</a:t>
+            </a:r>
+            <a:r>
+              <a:rPr lang="en-US" sz="2200" cap="none" dirty="0"/>
+              <a:t> </a:t>
+            </a:r>
+            <a:r>
+              <a:rPr lang="en-US" sz="2200" cap="none" dirty="0" err="1"/>
+              <a:t>kita</a:t>
+            </a:r>
+            <a:r>
+              <a:rPr lang="en-US" sz="2200" cap="none" dirty="0"/>
+              <a:t> </a:t>
+            </a:r>
+            <a:r>
+              <a:rPr lang="en-US" sz="2200" cap="none" dirty="0" err="1"/>
+              <a:t>dapat</a:t>
+            </a:r>
+            <a:r>
+              <a:rPr lang="en-US" sz="2200" cap="none" dirty="0"/>
+              <a:t> </a:t>
+            </a:r>
+            <a:r>
+              <a:rPr lang="en-US" sz="2200" cap="none" dirty="0" err="1"/>
+              <a:t>melihat</a:t>
+            </a:r>
+            <a:r>
+              <a:rPr lang="en-US" sz="2200" cap="none" dirty="0"/>
+              <a:t> file </a:t>
+            </a:r>
+            <a:r>
+              <a:rPr lang="en-US" sz="2200" cap="none" dirty="0" err="1"/>
+              <a:t>apa</a:t>
+            </a:r>
+            <a:r>
+              <a:rPr lang="en-US" sz="2200" cap="none" dirty="0"/>
+              <a:t> </a:t>
+            </a:r>
+            <a:r>
+              <a:rPr lang="en-US" sz="2200" cap="none" dirty="0" err="1"/>
+              <a:t>saja</a:t>
+            </a:r>
+            <a:r>
+              <a:rPr lang="en-US" sz="2200" cap="none" dirty="0"/>
+              <a:t> yang </a:t>
+            </a:r>
+            <a:r>
+              <a:rPr lang="en-US" sz="2200" cap="none" dirty="0" err="1"/>
+              <a:t>ada</a:t>
+            </a:r>
+            <a:r>
+              <a:rPr lang="en-US" sz="2200" cap="none" dirty="0"/>
+              <a:t> </a:t>
+            </a:r>
+            <a:r>
+              <a:rPr lang="en-US" sz="2200" cap="none" dirty="0" err="1"/>
+              <a:t>didalamnya</a:t>
+            </a:r>
+            <a:r>
+              <a:rPr lang="en-US" sz="2200" cap="none" dirty="0"/>
+              <a:t> </a:t>
+            </a:r>
+            <a:br>
+              <a:rPr lang="en-US" cap="none" dirty="0"/>
+            </a:br>
+            <a:endParaRPr lang="en-US" cap="none" dirty="0"/>
+          </a:p>
+        </p:txBody>
+      </p:sp>
+      <p:sp>
+        <p:nvSpPr>
+          <p:cNvPr id="3" name="Text Placeholder 2">
+            <a:extLst>
+              <a:ext uri="{FF2B5EF4-FFF2-40B4-BE49-F238E27FC236}">
+                <a16:creationId xmlns:a16="http://schemas.microsoft.com/office/drawing/2014/main" id="{F9E3C5F0-A1E6-7736-FC9E-13FF8570BF42}"/>
+              </a:ext>
+            </a:extLst>
+          </p:cNvPr>
+          <p:cNvSpPr>
+            <a:spLocks noGrp="1"/>
+          </p:cNvSpPr>
+          <p:nvPr>
+            <p:ph type="body" idx="1"/>
+          </p:nvPr>
+        </p:nvSpPr>
+        <p:spPr>
+          <a:xfrm>
+            <a:off x="685801" y="2207723"/>
+            <a:ext cx="4709054" cy="576262"/>
+          </a:xfrm>
+        </p:spPr>
+        <p:txBody>
+          <a:bodyPr/>
+          <a:lstStyle/>
+          <a:p>
+            <a:r>
+              <a:rPr lang="en-US" sz="2500" dirty="0">
+                <a:latin typeface="+mj-lt"/>
+              </a:rPr>
+              <a:t>2. </a:t>
+            </a:r>
+            <a:r>
+              <a:rPr lang="en-US" sz="2500" dirty="0" err="1">
+                <a:latin typeface="+mj-lt"/>
+              </a:rPr>
+              <a:t>Melihat</a:t>
+            </a:r>
+            <a:r>
+              <a:rPr lang="en-US" sz="2500" dirty="0">
+                <a:latin typeface="+mj-lt"/>
+              </a:rPr>
+              <a:t> Proses Parent dan Child</a:t>
+            </a:r>
+          </a:p>
+        </p:txBody>
+      </p:sp>
+      <p:sp>
+        <p:nvSpPr>
+          <p:cNvPr id="5" name="Text Placeholder 4">
+            <a:extLst>
+              <a:ext uri="{FF2B5EF4-FFF2-40B4-BE49-F238E27FC236}">
+                <a16:creationId xmlns:a16="http://schemas.microsoft.com/office/drawing/2014/main" id="{752D9510-A409-1AB6-83B0-FDE02B1DE989}"/>
+              </a:ext>
+            </a:extLst>
+          </p:cNvPr>
+          <p:cNvSpPr>
+            <a:spLocks noGrp="1"/>
+          </p:cNvSpPr>
+          <p:nvPr>
+            <p:ph type="body" sz="quarter" idx="3"/>
+          </p:nvPr>
+        </p:nvSpPr>
+        <p:spPr>
+          <a:xfrm>
+            <a:off x="685801" y="4597343"/>
+            <a:ext cx="4722813" cy="576262"/>
+          </a:xfrm>
+        </p:spPr>
+        <p:txBody>
+          <a:bodyPr/>
+          <a:lstStyle/>
+          <a:p>
+            <a:r>
+              <a:rPr lang="en-US" sz="2500" dirty="0">
+                <a:latin typeface="+mj-lt"/>
+              </a:rPr>
+              <a:t>3. ID Prosses</a:t>
+            </a:r>
+          </a:p>
+        </p:txBody>
+      </p:sp>
+      <p:pic>
+        <p:nvPicPr>
+          <p:cNvPr id="8" name="Picture 7">
+            <a:extLst>
+              <a:ext uri="{FF2B5EF4-FFF2-40B4-BE49-F238E27FC236}">
+                <a16:creationId xmlns:a16="http://schemas.microsoft.com/office/drawing/2014/main" id="{5CC11724-E3B4-5BF3-5512-076682B4F13D}"/>
+              </a:ext>
+            </a:extLst>
+          </p:cNvPr>
+          <p:cNvPicPr>
+            <a:picLocks noChangeAspect="1"/>
+          </p:cNvPicPr>
+          <p:nvPr/>
+        </p:nvPicPr>
+        <p:blipFill>
+          <a:blip r:embed="rId2"/>
+          <a:stretch>
+            <a:fillRect/>
+          </a:stretch>
+        </p:blipFill>
+        <p:spPr>
+          <a:xfrm>
+            <a:off x="4901196" y="571432"/>
+            <a:ext cx="5674541" cy="821939"/>
+          </a:xfrm>
+          <a:prstGeom prst="rect">
+            <a:avLst/>
+          </a:prstGeom>
+        </p:spPr>
+      </p:pic>
+      <p:pic>
+        <p:nvPicPr>
+          <p:cNvPr id="10" name="Picture 9">
+            <a:extLst>
+              <a:ext uri="{FF2B5EF4-FFF2-40B4-BE49-F238E27FC236}">
+                <a16:creationId xmlns:a16="http://schemas.microsoft.com/office/drawing/2014/main" id="{01EB2D45-8C35-D200-1334-2D03D59CCDA7}"/>
+              </a:ext>
+            </a:extLst>
+          </p:cNvPr>
+          <p:cNvPicPr>
+            <a:picLocks noChangeAspect="1"/>
+          </p:cNvPicPr>
+          <p:nvPr/>
+        </p:nvPicPr>
+        <p:blipFill>
+          <a:blip r:embed="rId3"/>
+          <a:stretch>
+            <a:fillRect/>
+          </a:stretch>
+        </p:blipFill>
+        <p:spPr>
+          <a:xfrm>
+            <a:off x="685801" y="2783985"/>
+            <a:ext cx="9066789" cy="1813358"/>
+          </a:xfrm>
+          <a:prstGeom prst="rect">
+            <a:avLst/>
+          </a:prstGeom>
+        </p:spPr>
+      </p:pic>
+      <p:pic>
+        <p:nvPicPr>
+          <p:cNvPr id="12" name="Picture 11">
+            <a:extLst>
+              <a:ext uri="{FF2B5EF4-FFF2-40B4-BE49-F238E27FC236}">
+                <a16:creationId xmlns:a16="http://schemas.microsoft.com/office/drawing/2014/main" id="{AD6DB51E-B4C7-DF71-2E06-18E3E023E011}"/>
+              </a:ext>
+            </a:extLst>
+          </p:cNvPr>
+          <p:cNvPicPr>
+            <a:picLocks noChangeAspect="1"/>
+          </p:cNvPicPr>
+          <p:nvPr/>
+        </p:nvPicPr>
+        <p:blipFill>
+          <a:blip r:embed="rId4"/>
+          <a:stretch>
+            <a:fillRect/>
+          </a:stretch>
+        </p:blipFill>
+        <p:spPr>
+          <a:xfrm>
+            <a:off x="685801" y="5173605"/>
+            <a:ext cx="2086266" cy="1505160"/>
+          </a:xfrm>
+          <a:prstGeom prst="rect">
+            <a:avLst/>
+          </a:prstGeom>
+        </p:spPr>
+      </p:pic>
+    </p:spTree>
+    <p:extLst>
+      <p:ext uri="{BB962C8B-B14F-4D97-AF65-F5344CB8AC3E}">
+        <p14:creationId xmlns:p14="http://schemas.microsoft.com/office/powerpoint/2010/main" val="3648964070"/>
+      </p:ext>
+    </p:extLst>
+  </p:cSld>
+  <p:clrMapOvr>
+    <a:masterClrMapping/>
+  </p:clrMapOvr>
+  <mc:AlternateContent xmlns:mc="http://schemas.openxmlformats.org/markup-compatibility/2006">
+    <mc:Choice xmlns:p14="http://schemas.microsoft.com/office/powerpoint/2010/main" Requires="p14">
+      <p:transition spd="slow" p14:dur="800">
+        <p14:flythrough/>
+      </p:transition>
+    </mc:Choice>
+    <mc:Fallback>
+      <p:transition spd="slow">
+        <p:fade/>
+      </p:transition>
+    </mc:Fallback>
+  </mc:AlternateContent>
+</p:sld>
+</file>
+
+<file path=ppt/slides/slide5.xml><?xml version="1.0" encoding="utf-8"?>
+<p:sld xmlns:a="http://schemas.openxmlformats.org/drawingml/2006/main" xmlns:r="http://schemas.openxmlformats.org/officeDocument/2006/relationships" xmlns:p="http://schemas.openxmlformats.org/presentationml/2006/main">
+  <p:cSld>
+    <p:spTree>
+      <p:nvGrpSpPr>
+        <p:cNvPr id="1" name=""/>
+        <p:cNvGrpSpPr/>
+        <p:nvPr/>
+      </p:nvGrpSpPr>
+      <p:grpSpPr>
+        <a:xfrm>
+          <a:off x="0" y="0"/>
+          <a:ext cx="0" cy="0"/>
+          <a:chOff x="0" y="0"/>
+          <a:chExt cx="0" cy="0"/>
+        </a:xfrm>
+      </p:grpSpPr>
+      <p:sp>
+        <p:nvSpPr>
+          <p:cNvPr id="2" name="Title 1">
+            <a:extLst>
+              <a:ext uri="{FF2B5EF4-FFF2-40B4-BE49-F238E27FC236}">
+                <a16:creationId xmlns:a16="http://schemas.microsoft.com/office/drawing/2014/main" id="{9082A1D6-80CA-2267-198C-9F44BA4E07DE}"/>
+              </a:ext>
+            </a:extLst>
+          </p:cNvPr>
+          <p:cNvSpPr>
+            <a:spLocks noGrp="1"/>
+          </p:cNvSpPr>
+          <p:nvPr>
+            <p:ph type="title"/>
+          </p:nvPr>
+        </p:nvSpPr>
+        <p:spPr>
+          <a:xfrm>
+            <a:off x="685800" y="2074333"/>
+            <a:ext cx="3973286" cy="1371600"/>
+          </a:xfrm>
+        </p:spPr>
+        <p:txBody>
+          <a:bodyPr anchor="ctr"/>
+          <a:lstStyle/>
+          <a:p>
+            <a:r>
+              <a:rPr lang="en-US" cap="none" dirty="0">
+                <a:latin typeface="DejaVu Sans" panose="020B0603030804020204" pitchFamily="34" charset="0"/>
+                <a:ea typeface="DejaVu Sans" panose="020B0603030804020204" pitchFamily="34" charset="0"/>
+                <a:cs typeface="DejaVu Sans" panose="020B0603030804020204" pitchFamily="34" charset="0"/>
+              </a:rPr>
+              <a:t>4. </a:t>
+            </a:r>
+            <a:r>
+              <a:rPr lang="en-US" cap="none" dirty="0" err="1">
+                <a:latin typeface="DejaVu Sans" panose="020B0603030804020204" pitchFamily="34" charset="0"/>
+                <a:ea typeface="DejaVu Sans" panose="020B0603030804020204" pitchFamily="34" charset="0"/>
+                <a:cs typeface="DejaVu Sans" panose="020B0603030804020204" pitchFamily="34" charset="0"/>
+              </a:rPr>
+              <a:t>Manajemen</a:t>
+            </a:r>
+            <a:r>
+              <a:rPr lang="en-US" cap="none" dirty="0">
+                <a:latin typeface="DejaVu Sans" panose="020B0603030804020204" pitchFamily="34" charset="0"/>
+                <a:ea typeface="DejaVu Sans" panose="020B0603030804020204" pitchFamily="34" charset="0"/>
+                <a:cs typeface="DejaVu Sans" panose="020B0603030804020204" pitchFamily="34" charset="0"/>
+              </a:rPr>
+              <a:t> Memory</a:t>
+            </a:r>
+          </a:p>
+        </p:txBody>
+      </p:sp>
+      <p:pic>
+        <p:nvPicPr>
+          <p:cNvPr id="6" name="Content Placeholder 5">
+            <a:extLst>
+              <a:ext uri="{FF2B5EF4-FFF2-40B4-BE49-F238E27FC236}">
+                <a16:creationId xmlns:a16="http://schemas.microsoft.com/office/drawing/2014/main" id="{8349A155-BE9A-4F86-2906-4D12A7EBB7D4}"/>
+              </a:ext>
+            </a:extLst>
+          </p:cNvPr>
+          <p:cNvPicPr>
+            <a:picLocks noGrp="1" noChangeAspect="1"/>
+          </p:cNvPicPr>
+          <p:nvPr>
+            <p:ph idx="1"/>
+          </p:nvPr>
+        </p:nvPicPr>
+        <p:blipFill>
+          <a:blip r:embed="rId2"/>
+          <a:stretch>
+            <a:fillRect/>
+          </a:stretch>
+        </p:blipFill>
+        <p:spPr>
+          <a:xfrm>
+            <a:off x="4750154" y="2074333"/>
+            <a:ext cx="6756046" cy="3385235"/>
+          </a:xfrm>
+        </p:spPr>
+      </p:pic>
+      <p:sp>
+        <p:nvSpPr>
+          <p:cNvPr id="4" name="Text Placeholder 3">
+            <a:extLst>
+              <a:ext uri="{FF2B5EF4-FFF2-40B4-BE49-F238E27FC236}">
+                <a16:creationId xmlns:a16="http://schemas.microsoft.com/office/drawing/2014/main" id="{C5C3A1FC-7AFB-B24D-4971-2BEA60373303}"/>
+              </a:ext>
+            </a:extLst>
+          </p:cNvPr>
+          <p:cNvSpPr>
+            <a:spLocks noGrp="1"/>
+          </p:cNvSpPr>
+          <p:nvPr>
+            <p:ph type="body" sz="half" idx="2"/>
+          </p:nvPr>
+        </p:nvSpPr>
+        <p:spPr/>
+        <p:txBody>
+          <a:bodyPr/>
+          <a:lstStyle/>
+          <a:p>
+            <a:r>
+              <a:rPr lang="en-US" dirty="0"/>
+              <a:t>	</a:t>
+            </a:r>
+            <a:r>
+              <a:rPr lang="en-US" dirty="0" err="1"/>
+              <a:t>Dalam</a:t>
+            </a:r>
+            <a:r>
+              <a:rPr lang="en-US" dirty="0"/>
+              <a:t> proses </a:t>
+            </a:r>
+            <a:r>
+              <a:rPr lang="en-US" dirty="0" err="1"/>
+              <a:t>ini</a:t>
+            </a:r>
+            <a:r>
+              <a:rPr lang="en-US" dirty="0"/>
+              <a:t> </a:t>
+            </a:r>
+            <a:r>
+              <a:rPr lang="en-US" dirty="0" err="1"/>
+              <a:t>akan</a:t>
+            </a:r>
+            <a:r>
+              <a:rPr lang="en-US" dirty="0"/>
+              <a:t> </a:t>
+            </a:r>
+            <a:r>
+              <a:rPr lang="en-US" dirty="0" err="1"/>
+              <a:t>dimunculkan</a:t>
+            </a:r>
+            <a:r>
+              <a:rPr lang="en-US" dirty="0"/>
+              <a:t> </a:t>
+            </a:r>
+            <a:r>
+              <a:rPr lang="en-US" dirty="0" err="1"/>
+              <a:t>informasi</a:t>
+            </a:r>
+            <a:r>
+              <a:rPr lang="en-US" dirty="0"/>
+              <a:t> </a:t>
+            </a:r>
+            <a:r>
+              <a:rPr lang="en-US" dirty="0" err="1"/>
+              <a:t>tentang</a:t>
+            </a:r>
+            <a:r>
+              <a:rPr lang="en-US" dirty="0"/>
+              <a:t> </a:t>
+            </a:r>
+            <a:r>
+              <a:rPr lang="en-US" dirty="0" err="1"/>
+              <a:t>koordinasi</a:t>
+            </a:r>
+            <a:r>
+              <a:rPr lang="en-US" dirty="0"/>
+              <a:t> </a:t>
+            </a:r>
+            <a:r>
+              <a:rPr lang="en-US" dirty="0" err="1"/>
+              <a:t>memori</a:t>
+            </a:r>
+            <a:r>
+              <a:rPr lang="en-US" dirty="0"/>
+              <a:t> yang </a:t>
+            </a:r>
+            <a:r>
+              <a:rPr lang="en-US" dirty="0" err="1"/>
+              <a:t>ada</a:t>
+            </a:r>
+            <a:r>
+              <a:rPr lang="en-US" dirty="0"/>
+              <a:t> </a:t>
+            </a:r>
+            <a:r>
+              <a:rPr lang="en-US" dirty="0" err="1"/>
+              <a:t>dalam</a:t>
+            </a:r>
+            <a:r>
+              <a:rPr lang="en-US" dirty="0"/>
+              <a:t> system computer, </a:t>
+            </a:r>
+            <a:r>
+              <a:rPr lang="en-US" dirty="0" err="1"/>
+              <a:t>untuk</a:t>
+            </a:r>
+            <a:r>
+              <a:rPr lang="en-US" dirty="0"/>
+              <a:t> </a:t>
+            </a:r>
+            <a:r>
+              <a:rPr lang="en-US" dirty="0" err="1"/>
+              <a:t>menghentikan</a:t>
+            </a:r>
+            <a:r>
+              <a:rPr lang="en-US" dirty="0"/>
+              <a:t> program </a:t>
+            </a:r>
+            <a:r>
+              <a:rPr lang="en-US" dirty="0" err="1"/>
+              <a:t>ini</a:t>
+            </a:r>
+            <a:r>
+              <a:rPr lang="en-US" dirty="0"/>
+              <a:t> </a:t>
+            </a:r>
+            <a:r>
+              <a:rPr lang="en-US" dirty="0" err="1"/>
+              <a:t>dapat</a:t>
+            </a:r>
+            <a:r>
+              <a:rPr lang="en-US" dirty="0"/>
+              <a:t> </a:t>
+            </a:r>
+            <a:r>
+              <a:rPr lang="en-US" dirty="0" err="1"/>
+              <a:t>menggunakan</a:t>
+            </a:r>
+            <a:r>
+              <a:rPr lang="en-US" dirty="0"/>
+              <a:t> </a:t>
+            </a:r>
+            <a:r>
+              <a:rPr lang="en-US" dirty="0" err="1"/>
+              <a:t>perintah</a:t>
+            </a:r>
+            <a:r>
+              <a:rPr lang="en-US" dirty="0"/>
+              <a:t> Ctrl + C</a:t>
+            </a:r>
+          </a:p>
+        </p:txBody>
+      </p:sp>
+    </p:spTree>
+    <p:extLst>
+      <p:ext uri="{BB962C8B-B14F-4D97-AF65-F5344CB8AC3E}">
+        <p14:creationId xmlns:p14="http://schemas.microsoft.com/office/powerpoint/2010/main" val="3485895309"/>
+      </p:ext>
+    </p:extLst>
+  </p:cSld>
+  <p:clrMapOvr>
+    <a:masterClrMapping/>
+  </p:clrMapOvr>
+  <mc:AlternateContent xmlns:mc="http://schemas.openxmlformats.org/markup-compatibility/2006">
+    <mc:Choice xmlns:p14="http://schemas.microsoft.com/office/powerpoint/2010/main" Requires="p14">
+      <p:transition spd="slow" p14:dur="1600">
+        <p14:conveyor dir="l"/>
+      </p:transition>
+    </mc:Choice>
+    <mc:Fallback>
+      <p:transition spd="slow">
+        <p:fade/>
+      </p:transition>
+    </mc:Fallback>
+  </mc:AlternateContent>
+</p:sld>
+</file>
+
+<file path=ppt/slides/slide6.xml><?xml version="1.0" encoding="utf-8"?>
+<p:sld xmlns:a="http://schemas.openxmlformats.org/drawingml/2006/main" xmlns:r="http://schemas.openxmlformats.org/officeDocument/2006/relationships" xmlns:p="http://schemas.openxmlformats.org/presentationml/2006/main">
+  <p:cSld>
+    <p:spTree>
+      <p:nvGrpSpPr>
+        <p:cNvPr id="1" name=""/>
+        <p:cNvGrpSpPr/>
+        <p:nvPr/>
+      </p:nvGrpSpPr>
+      <p:grpSpPr>
+        <a:xfrm>
+          <a:off x="0" y="0"/>
+          <a:ext cx="0" cy="0"/>
+          <a:chOff x="0" y="0"/>
+          <a:chExt cx="0" cy="0"/>
+        </a:xfrm>
+      </p:grpSpPr>
+      <p:sp>
+        <p:nvSpPr>
+          <p:cNvPr id="2" name="Title 1">
+            <a:extLst>
+              <a:ext uri="{FF2B5EF4-FFF2-40B4-BE49-F238E27FC236}">
+                <a16:creationId xmlns:a16="http://schemas.microsoft.com/office/drawing/2014/main" id="{9082A1D6-80CA-2267-198C-9F44BA4E07DE}"/>
+              </a:ext>
+            </a:extLst>
+          </p:cNvPr>
+          <p:cNvSpPr>
+            <a:spLocks noGrp="1"/>
+          </p:cNvSpPr>
+          <p:nvPr>
+            <p:ph type="title"/>
+          </p:nvPr>
+        </p:nvSpPr>
+        <p:spPr>
+          <a:xfrm>
+            <a:off x="859971" y="1545430"/>
+            <a:ext cx="3973286" cy="1371600"/>
+          </a:xfrm>
+        </p:spPr>
+        <p:txBody>
+          <a:bodyPr anchor="ctr"/>
+          <a:lstStyle/>
+          <a:p>
+            <a:r>
+              <a:rPr lang="en-US" cap="none" dirty="0">
+                <a:latin typeface="DejaVu Sans" panose="020B0603030804020204" pitchFamily="34" charset="0"/>
+                <a:ea typeface="DejaVu Sans" panose="020B0603030804020204" pitchFamily="34" charset="0"/>
+                <a:cs typeface="DejaVu Sans" panose="020B0603030804020204" pitchFamily="34" charset="0"/>
+              </a:rPr>
+              <a:t>5. </a:t>
+            </a:r>
+            <a:r>
+              <a:rPr lang="en-US" cap="none" dirty="0" err="1">
+                <a:latin typeface="DejaVu Sans" panose="020B0603030804020204" pitchFamily="34" charset="0"/>
+                <a:ea typeface="DejaVu Sans" panose="020B0603030804020204" pitchFamily="34" charset="0"/>
+                <a:cs typeface="DejaVu Sans" panose="020B0603030804020204" pitchFamily="34" charset="0"/>
+              </a:rPr>
+              <a:t>Kalkulator</a:t>
+            </a:r>
+            <a:endParaRPr lang="en-US" cap="none" dirty="0">
+              <a:latin typeface="DejaVu Sans" panose="020B0603030804020204" pitchFamily="34" charset="0"/>
+              <a:ea typeface="DejaVu Sans" panose="020B0603030804020204" pitchFamily="34" charset="0"/>
+              <a:cs typeface="DejaVu Sans" panose="020B0603030804020204" pitchFamily="34" charset="0"/>
+            </a:endParaRPr>
+          </a:p>
+        </p:txBody>
+      </p:sp>
+      <p:sp>
+        <p:nvSpPr>
+          <p:cNvPr id="4" name="Text Placeholder 3">
+            <a:extLst>
+              <a:ext uri="{FF2B5EF4-FFF2-40B4-BE49-F238E27FC236}">
+                <a16:creationId xmlns:a16="http://schemas.microsoft.com/office/drawing/2014/main" id="{C5C3A1FC-7AFB-B24D-4971-2BEA60373303}"/>
+              </a:ext>
+            </a:extLst>
+          </p:cNvPr>
+          <p:cNvSpPr>
+            <a:spLocks noGrp="1"/>
+          </p:cNvSpPr>
+          <p:nvPr>
+            <p:ph type="body" sz="half" idx="2"/>
+          </p:nvPr>
+        </p:nvSpPr>
+        <p:spPr>
+          <a:xfrm>
+            <a:off x="899086" y="2553305"/>
+            <a:ext cx="3680885" cy="2595638"/>
           </a:xfrm>
         </p:spPr>
         <p:txBody>
@@ -6089,14 +7861,495 @@
           </a:bodyPr>
           <a:lstStyle/>
           <a:p>
+            <a:r>
+              <a:rPr lang="en-US" dirty="0"/>
+              <a:t>	</a:t>
+            </a:r>
+            <a:r>
+              <a:rPr lang="en-US" dirty="0" err="1"/>
+              <a:t>Dalam</a:t>
+            </a:r>
+            <a:r>
+              <a:rPr lang="en-US" dirty="0"/>
+              <a:t> proses </a:t>
+            </a:r>
+            <a:r>
+              <a:rPr lang="en-US" dirty="0" err="1"/>
+              <a:t>ini</a:t>
+            </a:r>
+            <a:r>
+              <a:rPr lang="en-US" dirty="0"/>
+              <a:t>, </a:t>
+            </a:r>
+            <a:r>
+              <a:rPr lang="en-US" dirty="0" err="1"/>
+              <a:t>penguna</a:t>
+            </a:r>
+            <a:r>
+              <a:rPr lang="en-US" dirty="0"/>
+              <a:t> </a:t>
+            </a:r>
+            <a:r>
+              <a:rPr lang="en-US" dirty="0" err="1"/>
+              <a:t>dapat</a:t>
+            </a:r>
+            <a:r>
+              <a:rPr lang="en-US" dirty="0"/>
+              <a:t> </a:t>
+            </a:r>
+            <a:r>
+              <a:rPr lang="en-US" dirty="0" err="1"/>
+              <a:t>menjalankan</a:t>
+            </a:r>
+            <a:r>
+              <a:rPr lang="en-US" dirty="0"/>
+              <a:t> </a:t>
+            </a:r>
+            <a:r>
+              <a:rPr lang="en-US" dirty="0" err="1"/>
+              <a:t>fungsi</a:t>
+            </a:r>
+            <a:r>
+              <a:rPr lang="en-US" dirty="0"/>
+              <a:t> </a:t>
+            </a:r>
+            <a:r>
+              <a:rPr lang="en-US" dirty="0" err="1"/>
+              <a:t>kalkulator</a:t>
+            </a:r>
+            <a:r>
+              <a:rPr lang="en-US" dirty="0"/>
+              <a:t>, </a:t>
+            </a:r>
+            <a:r>
+              <a:rPr lang="en-US" dirty="0" err="1"/>
+              <a:t>yaitu</a:t>
+            </a:r>
+            <a:r>
+              <a:rPr lang="en-US" dirty="0"/>
+              <a:t> </a:t>
+            </a:r>
+            <a:r>
+              <a:rPr lang="en-US" dirty="0" err="1"/>
+              <a:t>perhitungan</a:t>
+            </a:r>
+            <a:r>
+              <a:rPr lang="en-US" dirty="0"/>
+              <a:t> </a:t>
+            </a:r>
+            <a:r>
+              <a:rPr lang="en-US" dirty="0" err="1"/>
+              <a:t>angka</a:t>
+            </a:r>
+            <a:r>
+              <a:rPr lang="en-US" dirty="0"/>
+              <a:t> </a:t>
+            </a:r>
+            <a:r>
+              <a:rPr lang="en-US" dirty="0" err="1"/>
+              <a:t>menggunakan</a:t>
+            </a:r>
+            <a:r>
+              <a:rPr lang="en-US" dirty="0"/>
+              <a:t> operator </a:t>
+            </a:r>
+            <a:r>
+              <a:rPr lang="en-US" dirty="0" err="1"/>
+              <a:t>dasar</a:t>
+            </a:r>
             <a:endParaRPr lang="en-US" dirty="0"/>
           </a:p>
-        </p:txBody>
-      </p:sp>
+          <a:p>
+            <a:r>
+              <a:rPr lang="en-US" dirty="0" err="1"/>
+              <a:t>Namun</a:t>
+            </a:r>
+            <a:r>
+              <a:rPr lang="en-US" dirty="0"/>
+              <a:t> </a:t>
+            </a:r>
+            <a:r>
+              <a:rPr lang="en-US" dirty="0" err="1"/>
+              <a:t>perlu</a:t>
+            </a:r>
+            <a:r>
+              <a:rPr lang="en-US" dirty="0"/>
+              <a:t> </a:t>
+            </a:r>
+            <a:r>
+              <a:rPr lang="en-US" dirty="0" err="1"/>
+              <a:t>diperhatikan</a:t>
+            </a:r>
+            <a:r>
+              <a:rPr lang="en-US" dirty="0"/>
+              <a:t>, </a:t>
+            </a:r>
+            <a:r>
+              <a:rPr lang="en-US" dirty="0" err="1"/>
+              <a:t>untuk</a:t>
+            </a:r>
+            <a:r>
+              <a:rPr lang="en-US" dirty="0"/>
+              <a:t> </a:t>
+            </a:r>
+            <a:r>
+              <a:rPr lang="en-US" dirty="0" err="1"/>
+              <a:t>menjalankan</a:t>
+            </a:r>
+            <a:r>
+              <a:rPr lang="en-US" dirty="0"/>
+              <a:t> </a:t>
+            </a:r>
+            <a:r>
+              <a:rPr lang="en-US" dirty="0" err="1"/>
+              <a:t>fitur</a:t>
+            </a:r>
+            <a:r>
+              <a:rPr lang="en-US" dirty="0"/>
+              <a:t> </a:t>
+            </a:r>
+            <a:r>
+              <a:rPr lang="en-US" dirty="0" err="1"/>
+              <a:t>ini</a:t>
+            </a:r>
+            <a:r>
+              <a:rPr lang="en-US" dirty="0"/>
+              <a:t> </a:t>
+            </a:r>
+            <a:r>
+              <a:rPr lang="en-US" dirty="0" err="1"/>
+              <a:t>pengguna</a:t>
+            </a:r>
+            <a:r>
+              <a:rPr lang="en-US" dirty="0"/>
+              <a:t> </a:t>
+            </a:r>
+            <a:r>
+              <a:rPr lang="en-US" dirty="0" err="1"/>
+              <a:t>harus</a:t>
+            </a:r>
+            <a:r>
+              <a:rPr lang="en-US" dirty="0"/>
+              <a:t> </a:t>
+            </a:r>
+            <a:r>
+              <a:rPr lang="en-US" dirty="0" err="1"/>
+              <a:t>terlebih</a:t>
+            </a:r>
+            <a:r>
+              <a:rPr lang="en-US" dirty="0"/>
+              <a:t> </a:t>
+            </a:r>
+            <a:r>
+              <a:rPr lang="en-US" dirty="0" err="1"/>
+              <a:t>dahulu</a:t>
+            </a:r>
+            <a:r>
+              <a:rPr lang="en-US" dirty="0"/>
+              <a:t> </a:t>
+            </a:r>
+            <a:r>
+              <a:rPr lang="en-US" dirty="0" err="1"/>
+              <a:t>menginstall</a:t>
+            </a:r>
+            <a:r>
+              <a:rPr lang="en-US" dirty="0"/>
+              <a:t> </a:t>
+            </a:r>
+            <a:r>
+              <a:rPr lang="en-US" b="1" dirty="0" err="1">
+                <a:solidFill>
+                  <a:schemeClr val="bg1"/>
+                </a:solidFill>
+                <a:highlight>
+                  <a:srgbClr val="FFFF00"/>
+                </a:highlight>
+              </a:rPr>
+              <a:t>bc</a:t>
+            </a:r>
+            <a:r>
+              <a:rPr lang="en-US" b="1" dirty="0"/>
+              <a:t>  </a:t>
+            </a:r>
+            <a:r>
+              <a:rPr lang="en-US" dirty="0" err="1"/>
+              <a:t>menggunakan</a:t>
+            </a:r>
+            <a:r>
+              <a:rPr lang="en-US" dirty="0"/>
+              <a:t> </a:t>
+            </a:r>
+            <a:r>
+              <a:rPr lang="en-US" b="1" dirty="0" err="1"/>
+              <a:t>sudo</a:t>
+            </a:r>
+            <a:r>
+              <a:rPr lang="en-US" b="1" dirty="0"/>
+              <a:t> apt install </a:t>
+            </a:r>
+            <a:r>
+              <a:rPr lang="en-US" b="1" dirty="0" err="1"/>
+              <a:t>bc</a:t>
+            </a:r>
+            <a:endParaRPr lang="en-US" b="1" dirty="0"/>
+          </a:p>
+        </p:txBody>
+      </p:sp>
+      <p:pic>
+        <p:nvPicPr>
+          <p:cNvPr id="8" name="Picture 7">
+            <a:extLst>
+              <a:ext uri="{FF2B5EF4-FFF2-40B4-BE49-F238E27FC236}">
+                <a16:creationId xmlns:a16="http://schemas.microsoft.com/office/drawing/2014/main" id="{FB19B829-F26F-8383-4E62-A12E46E2D25F}"/>
+              </a:ext>
+            </a:extLst>
+          </p:cNvPr>
+          <p:cNvPicPr>
+            <a:picLocks noChangeAspect="1"/>
+          </p:cNvPicPr>
+          <p:nvPr/>
+        </p:nvPicPr>
+        <p:blipFill>
+          <a:blip r:embed="rId2"/>
+          <a:stretch>
+            <a:fillRect/>
+          </a:stretch>
+        </p:blipFill>
+        <p:spPr>
+          <a:xfrm>
+            <a:off x="5613360" y="1545430"/>
+            <a:ext cx="3839111" cy="3801005"/>
+          </a:xfrm>
+          <a:prstGeom prst="rect">
+            <a:avLst/>
+          </a:prstGeom>
+        </p:spPr>
+      </p:pic>
     </p:spTree>
     <p:extLst>
       <p:ext uri="{BB962C8B-B14F-4D97-AF65-F5344CB8AC3E}">
-        <p14:creationId xmlns:p14="http://schemas.microsoft.com/office/powerpoint/2010/main" val="2306752398"/>
+        <p14:creationId xmlns:p14="http://schemas.microsoft.com/office/powerpoint/2010/main" val="2582102749"/>
+      </p:ext>
+    </p:extLst>
+  </p:cSld>
+  <p:clrMapOvr>
+    <a:masterClrMapping/>
+  </p:clrMapOvr>
+  <mc:AlternateContent xmlns:mc="http://schemas.openxmlformats.org/markup-compatibility/2006">
+    <mc:Choice xmlns:p14="http://schemas.microsoft.com/office/powerpoint/2010/main" Requires="p14">
+      <p:transition spd="slow" p14:dur="1600">
+        <p14:conveyor dir="l"/>
+      </p:transition>
+    </mc:Choice>
+    <mc:Fallback>
+      <p:transition spd="slow">
+        <p:fade/>
+      </p:transition>
+    </mc:Fallback>
+  </mc:AlternateContent>
+</p:sld>
+</file>
+
+<file path=ppt/slides/slide7.xml><?xml version="1.0" encoding="utf-8"?>
+<p:sld xmlns:a="http://schemas.openxmlformats.org/drawingml/2006/main" xmlns:r="http://schemas.openxmlformats.org/officeDocument/2006/relationships" xmlns:p="http://schemas.openxmlformats.org/presentationml/2006/main">
+  <p:cSld>
+    <p:spTree>
+      <p:nvGrpSpPr>
+        <p:cNvPr id="1" name=""/>
+        <p:cNvGrpSpPr/>
+        <p:nvPr/>
+      </p:nvGrpSpPr>
+      <p:grpSpPr>
+        <a:xfrm>
+          <a:off x="0" y="0"/>
+          <a:ext cx="0" cy="0"/>
+          <a:chOff x="0" y="0"/>
+          <a:chExt cx="0" cy="0"/>
+        </a:xfrm>
+      </p:grpSpPr>
+      <p:sp>
+        <p:nvSpPr>
+          <p:cNvPr id="2" name="Title 1">
+            <a:extLst>
+              <a:ext uri="{FF2B5EF4-FFF2-40B4-BE49-F238E27FC236}">
+                <a16:creationId xmlns:a16="http://schemas.microsoft.com/office/drawing/2014/main" id="{EEB07C87-095A-6474-0C9F-3CFD752690D7}"/>
+              </a:ext>
+            </a:extLst>
+          </p:cNvPr>
+          <p:cNvSpPr>
+            <a:spLocks noGrp="1"/>
+          </p:cNvSpPr>
+          <p:nvPr>
+            <p:ph type="title"/>
+          </p:nvPr>
+        </p:nvSpPr>
+        <p:spPr>
+          <a:xfrm>
+            <a:off x="870858" y="1654630"/>
+            <a:ext cx="10131427" cy="3124199"/>
+          </a:xfrm>
+        </p:spPr>
+        <p:txBody>
+          <a:bodyPr>
+            <a:normAutofit/>
+          </a:bodyPr>
+          <a:lstStyle/>
+          <a:p>
+            <a:pPr algn="ctr"/>
+            <a:r>
+              <a:rPr lang="en-US" sz="8800" b="1" dirty="0">
+                <a:latin typeface="Bahnschrift Condensed" panose="020B0502040204020203" pitchFamily="34" charset="0"/>
+                <a:ea typeface="DejaVu Sans" panose="020B0603030804020204" pitchFamily="34" charset="0"/>
+                <a:cs typeface="DejaVu Sans" panose="020B0603030804020204" pitchFamily="34" charset="0"/>
+              </a:rPr>
+              <a:t>SEKIAN TERIMAKASIH</a:t>
+            </a:r>
+          </a:p>
+        </p:txBody>
+      </p:sp>
+      <p:sp>
+        <p:nvSpPr>
+          <p:cNvPr id="3" name="Text Placeholder 2">
+            <a:extLst>
+              <a:ext uri="{FF2B5EF4-FFF2-40B4-BE49-F238E27FC236}">
+                <a16:creationId xmlns:a16="http://schemas.microsoft.com/office/drawing/2014/main" id="{3BE50466-E9E1-8A0D-6714-7418C14BE5C5}"/>
+              </a:ext>
+            </a:extLst>
+          </p:cNvPr>
+          <p:cNvSpPr>
+            <a:spLocks noGrp="1"/>
+          </p:cNvSpPr>
+          <p:nvPr>
+            <p:ph type="body" idx="1"/>
+          </p:nvPr>
+        </p:nvSpPr>
+        <p:spPr>
+          <a:xfrm>
+            <a:off x="870857" y="3652157"/>
+            <a:ext cx="10131428" cy="1447800"/>
+          </a:xfrm>
+        </p:spPr>
+        <p:txBody>
+          <a:bodyPr/>
+          <a:lstStyle/>
+          <a:p>
+            <a:pPr algn="ctr"/>
+            <a:r>
+              <a:rPr lang="en-US" dirty="0" err="1"/>
+              <a:t>Semoga</a:t>
+            </a:r>
+            <a:r>
+              <a:rPr lang="en-US" dirty="0"/>
+              <a:t> </a:t>
+            </a:r>
+            <a:r>
+              <a:rPr lang="en-US" dirty="0" err="1"/>
+              <a:t>ilmu</a:t>
+            </a:r>
+            <a:r>
+              <a:rPr lang="en-US" dirty="0"/>
+              <a:t> yang </a:t>
+            </a:r>
+            <a:r>
+              <a:rPr lang="en-US" dirty="0" err="1"/>
+              <a:t>bapak</a:t>
+            </a:r>
+            <a:r>
+              <a:rPr lang="en-US" dirty="0"/>
+              <a:t> </a:t>
+            </a:r>
+            <a:r>
+              <a:rPr lang="en-US" dirty="0" err="1"/>
+              <a:t>ajarkan</a:t>
+            </a:r>
+            <a:r>
+              <a:rPr lang="en-US" dirty="0"/>
+              <a:t> </a:t>
+            </a:r>
+            <a:r>
+              <a:rPr lang="en-US" dirty="0" err="1"/>
+              <a:t>dapat</a:t>
+            </a:r>
+            <a:r>
+              <a:rPr lang="en-US" dirty="0"/>
+              <a:t> </a:t>
+            </a:r>
+            <a:r>
+              <a:rPr lang="en-US" dirty="0" err="1"/>
+              <a:t>menjadi</a:t>
+            </a:r>
+            <a:r>
+              <a:rPr lang="en-US" dirty="0"/>
+              <a:t> </a:t>
+            </a:r>
+            <a:r>
+              <a:rPr lang="en-US" dirty="0" err="1"/>
+              <a:t>ilmu</a:t>
+            </a:r>
+            <a:r>
+              <a:rPr lang="en-US" dirty="0"/>
+              <a:t> yang </a:t>
+            </a:r>
+            <a:r>
+              <a:rPr lang="en-US" dirty="0" err="1"/>
+              <a:t>bermanfaat</a:t>
+            </a:r>
+            <a:r>
+              <a:rPr lang="en-US" dirty="0"/>
+              <a:t> </a:t>
+            </a:r>
+            <a:r>
+              <a:rPr lang="en-US" dirty="0" err="1"/>
+              <a:t>bagi</a:t>
+            </a:r>
+            <a:r>
+              <a:rPr lang="en-US" dirty="0"/>
+              <a:t> kami dan juga </a:t>
+            </a:r>
+            <a:r>
+              <a:rPr lang="en-US" dirty="0" err="1"/>
+              <a:t>sebagai</a:t>
+            </a:r>
+            <a:r>
+              <a:rPr lang="en-US" dirty="0"/>
+              <a:t> </a:t>
+            </a:r>
+            <a:r>
+              <a:rPr lang="en-US" dirty="0" err="1"/>
+              <a:t>amal</a:t>
+            </a:r>
+            <a:r>
+              <a:rPr lang="en-US" dirty="0"/>
+              <a:t> </a:t>
+            </a:r>
+            <a:r>
+              <a:rPr lang="en-US" dirty="0" err="1"/>
+              <a:t>jariyah</a:t>
+            </a:r>
+            <a:r>
+              <a:rPr lang="en-US" dirty="0"/>
+              <a:t> </a:t>
+            </a:r>
+            <a:r>
+              <a:rPr lang="en-US" dirty="0" err="1"/>
+              <a:t>bagi</a:t>
+            </a:r>
+            <a:r>
+              <a:rPr lang="en-US" dirty="0"/>
+              <a:t> </a:t>
+            </a:r>
+            <a:r>
+              <a:rPr lang="en-US" dirty="0" err="1"/>
+              <a:t>bapak</a:t>
+            </a:r>
+            <a:endParaRPr lang="en-US" dirty="0"/>
+          </a:p>
+        </p:txBody>
+      </p:sp>
+    </p:spTree>
+    <p:extLst>
+      <p:ext uri="{BB962C8B-B14F-4D97-AF65-F5344CB8AC3E}">
+        <p14:creationId xmlns:p14="http://schemas.microsoft.com/office/powerpoint/2010/main" val="676217952"/>
       </p:ext>
     </p:extLst>
   </p:cSld>

--- a/Documentation/Progam shell.pptx
+++ b/Documentation/Progam shell.pptx
@@ -5966,13 +5966,13 @@
   <p:clrMapOvr>
     <a:masterClrMapping/>
   </p:clrMapOvr>
-  <mc:AlternateContent xmlns:mc="http://schemas.openxmlformats.org/markup-compatibility/2006">
-    <mc:Choice xmlns:p159="http://schemas.microsoft.com/office/powerpoint/2015/09/main" Requires="p159">
+  <mc:AlternateContent xmlns:mc="http://schemas.openxmlformats.org/markup-compatibility/2006" xmlns:p159="http://schemas.microsoft.com/office/powerpoint/2015/09/main">
+    <mc:Choice Requires="p159">
       <p:transition xmlns:p14="http://schemas.microsoft.com/office/powerpoint/2010/main" spd="slow" p14:dur="2000">
         <p159:morph option="byObject"/>
       </p:transition>
     </mc:Choice>
-    <mc:Fallback>
+    <mc:Fallback xmlns="">
       <p:transition spd="slow">
         <p:fade/>
       </p:transition>
@@ -6381,7 +6381,7 @@
             </a:r>
             <a:r>
               <a:rPr lang="en-US" dirty="0" err="1"/>
-              <a:t>bida</a:t>
+              <a:t>bisa</a:t>
             </a:r>
             <a:r>
               <a:rPr lang="en-US" dirty="0"/>
@@ -6568,13 +6568,13 @@
   <p:clrMapOvr>
     <a:masterClrMapping/>
   </p:clrMapOvr>
-  <mc:AlternateContent xmlns:mc="http://schemas.openxmlformats.org/markup-compatibility/2006">
-    <mc:Choice xmlns:p14="http://schemas.microsoft.com/office/powerpoint/2010/main" Requires="p14">
+  <mc:AlternateContent xmlns:mc="http://schemas.openxmlformats.org/markup-compatibility/2006" xmlns:p14="http://schemas.microsoft.com/office/powerpoint/2010/main">
+    <mc:Choice Requires="p14">
       <p:transition spd="slow" p14:dur="800">
         <p14:flythrough/>
       </p:transition>
     </mc:Choice>
-    <mc:Fallback>
+    <mc:Fallback xmlns="">
       <p:transition spd="slow">
         <p:fade/>
       </p:transition>
@@ -7131,13 +7131,13 @@
   <p:clrMapOvr>
     <a:masterClrMapping/>
   </p:clrMapOvr>
-  <mc:AlternateContent xmlns:mc="http://schemas.openxmlformats.org/markup-compatibility/2006">
-    <mc:Choice xmlns:p14="http://schemas.microsoft.com/office/powerpoint/2010/main" Requires="p14">
+  <mc:AlternateContent xmlns:mc="http://schemas.openxmlformats.org/markup-compatibility/2006" xmlns:p14="http://schemas.microsoft.com/office/powerpoint/2010/main">
+    <mc:Choice Requires="p14">
       <p:transition spd="slow" p14:dur="800">
         <p14:flythrough/>
       </p:transition>
     </mc:Choice>
-    <mc:Fallback>
+    <mc:Fallback xmlns="">
       <p:transition spd="slow">
         <p:fade/>
       </p:transition>
@@ -7471,13 +7471,13 @@
   <p:clrMapOvr>
     <a:masterClrMapping/>
   </p:clrMapOvr>
-  <mc:AlternateContent xmlns:mc="http://schemas.openxmlformats.org/markup-compatibility/2006">
-    <mc:Choice xmlns:p14="http://schemas.microsoft.com/office/powerpoint/2010/main" Requires="p14">
+  <mc:AlternateContent xmlns:mc="http://schemas.openxmlformats.org/markup-compatibility/2006" xmlns:p14="http://schemas.microsoft.com/office/powerpoint/2010/main">
+    <mc:Choice Requires="p14">
       <p:transition spd="slow" p14:dur="800">
         <p14:flythrough/>
       </p:transition>
     </mc:Choice>
-    <mc:Fallback>
+    <mc:Fallback xmlns="">
       <p:transition spd="slow">
         <p:fade/>
       </p:transition>
@@ -7751,13 +7751,13 @@
   <p:clrMapOvr>
     <a:masterClrMapping/>
   </p:clrMapOvr>
-  <mc:AlternateContent xmlns:mc="http://schemas.openxmlformats.org/markup-compatibility/2006">
-    <mc:Choice xmlns:p14="http://schemas.microsoft.com/office/powerpoint/2010/main" Requires="p14">
+  <mc:AlternateContent xmlns:mc="http://schemas.openxmlformats.org/markup-compatibility/2006" xmlns:p14="http://schemas.microsoft.com/office/powerpoint/2010/main">
+    <mc:Choice Requires="p14">
       <p:transition spd="slow" p14:dur="1600">
         <p14:conveyor dir="l"/>
       </p:transition>
     </mc:Choice>
-    <mc:Fallback>
+    <mc:Fallback xmlns="">
       <p:transition spd="slow">
         <p:fade/>
       </p:transition>
@@ -8135,13 +8135,13 @@
   <p:clrMapOvr>
     <a:masterClrMapping/>
   </p:clrMapOvr>
-  <mc:AlternateContent xmlns:mc="http://schemas.openxmlformats.org/markup-compatibility/2006">
-    <mc:Choice xmlns:p14="http://schemas.microsoft.com/office/powerpoint/2010/main" Requires="p14">
+  <mc:AlternateContent xmlns:mc="http://schemas.openxmlformats.org/markup-compatibility/2006" xmlns:p14="http://schemas.microsoft.com/office/powerpoint/2010/main">
+    <mc:Choice Requires="p14">
       <p:transition spd="slow" p14:dur="1600">
         <p14:conveyor dir="l"/>
       </p:transition>
     </mc:Choice>
-    <mc:Fallback>
+    <mc:Fallback xmlns="">
       <p:transition spd="slow">
         <p:fade/>
       </p:transition>
